--- a/studies/labor study_A/script_labpilotpersonC.pptx
+++ b/studies/labor study_A/script_labpilotpersonC.pptx
@@ -348,7 +348,7 @@
             <a:fld id="{87DE6118-2437-4B30-8E3C-4D2BE6020583}" type="datetimeFigureOut">
               <a:rPr lang="en-US" smtClean="0"/>
               <a:pPr/>
-              <a:t>7/17/2020</a:t>
+              <a:t>7/28/2020</a:t>
             </a:fld>
             <a:endParaRPr lang="en-US" dirty="0"/>
           </a:p>
@@ -557,7 +557,7 @@
           <a:p>
             <a:fld id="{87DE6118-2437-4B30-8E3C-4D2BE6020583}" type="datetimeFigureOut">
               <a:rPr lang="en-US" smtClean="0"/>
-              <a:t>7/17/2020</a:t>
+              <a:t>7/28/2020</a:t>
             </a:fld>
             <a:endParaRPr lang="en-US" dirty="0"/>
           </a:p>
@@ -813,7 +813,7 @@
           <a:p>
             <a:fld id="{87DE6118-2437-4B30-8E3C-4D2BE6020583}" type="datetimeFigureOut">
               <a:rPr lang="en-US" smtClean="0"/>
-              <a:t>7/17/2020</a:t>
+              <a:t>7/28/2020</a:t>
             </a:fld>
             <a:endParaRPr lang="en-US" dirty="0"/>
           </a:p>
@@ -987,7 +987,7 @@
           <a:p>
             <a:fld id="{87DE6118-2437-4B30-8E3C-4D2BE6020583}" type="datetimeFigureOut">
               <a:rPr lang="en-US" smtClean="0"/>
-              <a:t>7/17/2020</a:t>
+              <a:t>7/28/2020</a:t>
             </a:fld>
             <a:endParaRPr lang="en-US" dirty="0"/>
           </a:p>
@@ -1331,7 +1331,7 @@
             <a:fld id="{87DE6118-2437-4B30-8E3C-4D2BE6020583}" type="datetimeFigureOut">
               <a:rPr lang="en-US" smtClean="0"/>
               <a:pPr/>
-              <a:t>7/17/2020</a:t>
+              <a:t>7/28/2020</a:t>
             </a:fld>
             <a:endParaRPr lang="en-US" dirty="0"/>
           </a:p>
@@ -1607,7 +1607,7 @@
           <a:p>
             <a:fld id="{87DE6118-2437-4B30-8E3C-4D2BE6020583}" type="datetimeFigureOut">
               <a:rPr lang="en-US" smtClean="0"/>
-              <a:t>7/17/2020</a:t>
+              <a:t>7/28/2020</a:t>
             </a:fld>
             <a:endParaRPr lang="en-US" dirty="0"/>
           </a:p>
@@ -1986,7 +1986,7 @@
           <a:p>
             <a:fld id="{87DE6118-2437-4B30-8E3C-4D2BE6020583}" type="datetimeFigureOut">
               <a:rPr lang="en-US" smtClean="0"/>
-              <a:t>7/17/2020</a:t>
+              <a:t>7/28/2020</a:t>
             </a:fld>
             <a:endParaRPr lang="en-US" dirty="0"/>
           </a:p>
@@ -2104,7 +2104,7 @@
           <a:p>
             <a:fld id="{87DE6118-2437-4B30-8E3C-4D2BE6020583}" type="datetimeFigureOut">
               <a:rPr lang="en-US" smtClean="0"/>
-              <a:t>7/17/2020</a:t>
+              <a:t>7/28/2020</a:t>
             </a:fld>
             <a:endParaRPr lang="en-US" dirty="0"/>
           </a:p>
@@ -2275,7 +2275,7 @@
           <a:p>
             <a:fld id="{87DE6118-2437-4B30-8E3C-4D2BE6020583}" type="datetimeFigureOut">
               <a:rPr lang="en-US" smtClean="0"/>
-              <a:t>7/17/2020</a:t>
+              <a:t>7/28/2020</a:t>
             </a:fld>
             <a:endParaRPr lang="en-US" dirty="0"/>
           </a:p>
@@ -2630,7 +2630,7 @@
             <a:fld id="{87DE6118-2437-4B30-8E3C-4D2BE6020583}" type="datetimeFigureOut">
               <a:rPr lang="en-US" smtClean="0"/>
               <a:pPr/>
-              <a:t>7/17/2020</a:t>
+              <a:t>7/28/2020</a:t>
             </a:fld>
             <a:endParaRPr lang="en-US" dirty="0"/>
           </a:p>
@@ -3014,7 +3014,7 @@
             <a:fld id="{87DE6118-2437-4B30-8E3C-4D2BE6020583}" type="datetimeFigureOut">
               <a:rPr lang="en-US" smtClean="0"/>
               <a:pPr/>
-              <a:t>7/17/2020</a:t>
+              <a:t>7/28/2020</a:t>
             </a:fld>
             <a:endParaRPr lang="en-US" dirty="0"/>
           </a:p>
@@ -3303,7 +3303,7 @@
             <a:fld id="{87DE6118-2437-4B30-8E3C-4D2BE6020583}" type="datetimeFigureOut">
               <a:rPr lang="en-US" smtClean="0"/>
               <a:pPr/>
-              <a:t>7/17/2020</a:t>
+              <a:t>7/28/2020</a:t>
             </a:fld>
             <a:endParaRPr lang="en-US" dirty="0"/>
           </a:p>
@@ -4279,14 +4279,14 @@
           <p:nvPr>
             <p:extLst>
               <p:ext uri="{D42A27DB-BD31-4B8C-83A1-F6EECF244321}">
-                <p14:modId xmlns:p14="http://schemas.microsoft.com/office/powerpoint/2010/main" val="1309922133"/>
+                <p14:modId xmlns:p14="http://schemas.microsoft.com/office/powerpoint/2010/main" val="140721067"/>
               </p:ext>
             </p:extLst>
           </p:nvPr>
         </p:nvGraphicFramePr>
         <p:xfrm>
-          <a:off x="243052" y="1067123"/>
-          <a:ext cx="11705895" cy="4051740"/>
+          <a:off x="235670" y="1067122"/>
+          <a:ext cx="11713278" cy="4466411"/>
         </p:xfrm>
         <a:graphic>
           <a:graphicData uri="http://schemas.openxmlformats.org/drawingml/2006/table">
@@ -4295,21 +4295,21 @@
                 <a:tableStyleId>{5C22544A-7EE6-4342-B048-85BDC9FD1C3A}</a:tableStyleId>
               </a:tblPr>
               <a:tblGrid>
-                <a:gridCol w="3901965">
+                <a:gridCol w="3904426">
                   <a:extLst>
                     <a:ext uri="{9D8B030D-6E8A-4147-A177-3AD203B41FA5}">
                       <a16:colId xmlns:a16="http://schemas.microsoft.com/office/drawing/2014/main" val="2418642178"/>
                     </a:ext>
                   </a:extLst>
                 </a:gridCol>
-                <a:gridCol w="3901965">
+                <a:gridCol w="3904426">
                   <a:extLst>
                     <a:ext uri="{9D8B030D-6E8A-4147-A177-3AD203B41FA5}">
                       <a16:colId xmlns:a16="http://schemas.microsoft.com/office/drawing/2014/main" val="576198228"/>
                     </a:ext>
                   </a:extLst>
                 </a:gridCol>
-                <a:gridCol w="3901965">
+                <a:gridCol w="3904426">
                   <a:extLst>
                     <a:ext uri="{9D8B030D-6E8A-4147-A177-3AD203B41FA5}">
                       <a16:colId xmlns:a16="http://schemas.microsoft.com/office/drawing/2014/main" val="924655872"/>
@@ -4317,7 +4317,7 @@
                   </a:extLst>
                 </a:gridCol>
               </a:tblGrid>
-              <a:tr h="1095705">
+              <a:tr h="1207844">
                 <a:tc>
                   <a:txBody>
                     <a:bodyPr/>
@@ -4366,7 +4366,7 @@
                   </a:ext>
                 </a:extLst>
               </a:tr>
-              <a:tr h="2956035">
+              <a:tr h="3258567">
                 <a:tc>
                   <a:txBody>
                     <a:bodyPr/>
@@ -4459,8 +4459,8 @@
         </p:nvSpPr>
         <p:spPr>
           <a:xfrm>
-            <a:off x="560969" y="2318096"/>
-            <a:ext cx="2899110" cy="2800767"/>
+            <a:off x="522274" y="2372796"/>
+            <a:ext cx="2899110" cy="3046988"/>
           </a:xfrm>
           <a:prstGeom prst="rect">
             <a:avLst/>
@@ -4474,13 +4474,13 @@
           <a:lstStyle/>
           <a:p>
             <a:r>
-              <a:rPr lang="de-DE" sz="4400" dirty="0"/>
+              <a:rPr lang="de-DE" sz="4800" dirty="0"/>
               <a:t>ruft laut in die Klasse:</a:t>
             </a:r>
           </a:p>
           <a:p>
             <a:r>
-              <a:rPr lang="de-DE" sz="4400" dirty="0"/>
+              <a:rPr lang="de-DE" sz="4800" dirty="0"/>
               <a:t>„Ich muss mal!“</a:t>
             </a:r>
           </a:p>
@@ -4501,7 +4501,7 @@
         <p:spPr>
           <a:xfrm>
             <a:off x="4343618" y="2372796"/>
-            <a:ext cx="3691106" cy="2123658"/>
+            <a:ext cx="3691106" cy="3046988"/>
           </a:xfrm>
           <a:prstGeom prst="rect">
             <a:avLst/>
@@ -4515,8 +4515,8 @@
           <a:lstStyle/>
           <a:p>
             <a:r>
-              <a:rPr lang="de-DE" sz="4400" dirty="0"/>
-              <a:t>klickert nervös mit dem Kugelschreiben</a:t>
+              <a:rPr lang="de-DE" sz="4800" dirty="0"/>
+              <a:t>klickert nervös mit dem Kugel-schreiben</a:t>
             </a:r>
           </a:p>
         </p:txBody>
@@ -4535,8 +4535,8 @@
         </p:nvSpPr>
         <p:spPr>
           <a:xfrm>
-            <a:off x="8313945" y="2388891"/>
-            <a:ext cx="3355781" cy="2123658"/>
+            <a:off x="8313945" y="2454879"/>
+            <a:ext cx="3355781" cy="2308324"/>
           </a:xfrm>
           <a:prstGeom prst="rect">
             <a:avLst/>
@@ -4550,7 +4550,7 @@
           <a:lstStyle/>
           <a:p>
             <a:r>
-              <a:rPr lang="de-DE" sz="4400" dirty="0"/>
+              <a:rPr lang="de-DE" sz="4800" dirty="0"/>
               <a:t>kritzelt auf Arbeitsblatt herum </a:t>
             </a:r>
           </a:p>
@@ -4909,14 +4909,14 @@
           <p:nvPr>
             <p:extLst>
               <p:ext uri="{D42A27DB-BD31-4B8C-83A1-F6EECF244321}">
-                <p14:modId xmlns:p14="http://schemas.microsoft.com/office/powerpoint/2010/main" val="1381416025"/>
+                <p14:modId xmlns:p14="http://schemas.microsoft.com/office/powerpoint/2010/main" val="3266212594"/>
               </p:ext>
             </p:extLst>
           </p:nvPr>
         </p:nvGraphicFramePr>
         <p:xfrm>
-          <a:off x="243052" y="1067123"/>
-          <a:ext cx="11705895" cy="4051740"/>
+          <a:off x="209293" y="1067123"/>
+          <a:ext cx="11739654" cy="4504118"/>
         </p:xfrm>
         <a:graphic>
           <a:graphicData uri="http://schemas.openxmlformats.org/drawingml/2006/table">
@@ -4925,21 +4925,21 @@
                 <a:tableStyleId>{5C22544A-7EE6-4342-B048-85BDC9FD1C3A}</a:tableStyleId>
               </a:tblPr>
               <a:tblGrid>
-                <a:gridCol w="3901965">
+                <a:gridCol w="3913218">
                   <a:extLst>
                     <a:ext uri="{9D8B030D-6E8A-4147-A177-3AD203B41FA5}">
                       <a16:colId xmlns:a16="http://schemas.microsoft.com/office/drawing/2014/main" val="2418642178"/>
                     </a:ext>
                   </a:extLst>
                 </a:gridCol>
-                <a:gridCol w="3901965">
+                <a:gridCol w="3913218">
                   <a:extLst>
                     <a:ext uri="{9D8B030D-6E8A-4147-A177-3AD203B41FA5}">
                       <a16:colId xmlns:a16="http://schemas.microsoft.com/office/drawing/2014/main" val="576198228"/>
                     </a:ext>
                   </a:extLst>
                 </a:gridCol>
-                <a:gridCol w="3901965">
+                <a:gridCol w="3913218">
                   <a:extLst>
                     <a:ext uri="{9D8B030D-6E8A-4147-A177-3AD203B41FA5}">
                       <a16:colId xmlns:a16="http://schemas.microsoft.com/office/drawing/2014/main" val="924655872"/>
@@ -4947,7 +4947,7 @@
                   </a:extLst>
                 </a:gridCol>
               </a:tblGrid>
-              <a:tr h="1095705">
+              <a:tr h="1218040">
                 <a:tc>
                   <a:txBody>
                     <a:bodyPr/>
@@ -4956,7 +4956,7 @@
                       <a:pPr algn="ctr"/>
                       <a:r>
                         <a:rPr lang="de-DE" sz="4000" dirty="0"/>
-                        <a:t>Person B</a:t>
+                        <a:t>Person A</a:t>
                       </a:r>
                     </a:p>
                   </a:txBody>
@@ -4970,7 +4970,7 @@
                       <a:pPr algn="ctr"/>
                       <a:r>
                         <a:rPr lang="de-DE" sz="4000" dirty="0"/>
-                        <a:t>Person C</a:t>
+                        <a:t>Person B</a:t>
                       </a:r>
                     </a:p>
                   </a:txBody>
@@ -4996,7 +4996,7 @@
                   </a:ext>
                 </a:extLst>
               </a:tr>
-              <a:tr h="2956035">
+              <a:tr h="3286078">
                 <a:tc>
                   <a:txBody>
                     <a:bodyPr/>
@@ -5055,7 +5055,7 @@
         <p:spPr>
           <a:xfrm>
             <a:off x="4393272" y="2505670"/>
-            <a:ext cx="3691106" cy="2400657"/>
+            <a:ext cx="3691106" cy="3323987"/>
           </a:xfrm>
           <a:prstGeom prst="rect">
             <a:avLst/>
@@ -5069,7 +5069,7 @@
           <a:lstStyle/>
           <a:p>
             <a:r>
-              <a:rPr lang="de-DE" sz="4400" dirty="0"/>
+              <a:rPr lang="de-DE" sz="4800" dirty="0"/>
               <a:t>meldet sich schnipsend und stellt Frage</a:t>
             </a:r>
           </a:p>
@@ -5127,8 +5127,8 @@
         </p:nvSpPr>
         <p:spPr>
           <a:xfrm>
-            <a:off x="666966" y="2505670"/>
-            <a:ext cx="3478490" cy="2123658"/>
+            <a:off x="454350" y="2598003"/>
+            <a:ext cx="3478490" cy="2308324"/>
           </a:xfrm>
           <a:prstGeom prst="rect">
             <a:avLst/>
@@ -5142,7 +5142,7 @@
           <a:lstStyle/>
           <a:p>
             <a:r>
-              <a:rPr lang="de-DE" sz="4400" dirty="0"/>
+              <a:rPr lang="de-DE" sz="4800" dirty="0"/>
               <a:t>holt Handy heraus und schaut drauf</a:t>
             </a:r>
           </a:p>
@@ -5162,8 +5162,8 @@
         </p:nvSpPr>
         <p:spPr>
           <a:xfrm>
-            <a:off x="8423175" y="2505670"/>
-            <a:ext cx="3559532" cy="2400657"/>
+            <a:off x="8310054" y="2598003"/>
+            <a:ext cx="3559532" cy="2585323"/>
           </a:xfrm>
           <a:prstGeom prst="rect">
             <a:avLst/>
@@ -5177,7 +5177,7 @@
           <a:lstStyle/>
           <a:p>
             <a:r>
-              <a:rPr lang="de-DE" sz="4400" dirty="0"/>
+              <a:rPr lang="de-DE" sz="4800" dirty="0"/>
               <a:t>trommelt mit Händen auf dem Tisch</a:t>
             </a:r>
           </a:p>
@@ -5217,7 +5217,7 @@
                             </p:stCondLst>
                             <p:childTnLst>
                               <p:par>
-                                <p:cTn id="5" presetID="2" presetClass="entr" presetSubtype="4" fill="hold" grpId="0" nodeType="clickEffect">
+                                <p:cTn id="5" presetID="1" presetClass="entr" presetSubtype="0" fill="hold" grpId="0" nodeType="clickEffect">
                                   <p:stCondLst>
                                     <p:cond delay="0"/>
                                   </p:stCondLst>
@@ -5225,6 +5225,51 @@
                                     <p:set>
                                       <p:cBhvr>
                                         <p:cTn id="6" dur="1" fill="hold">
+                                          <p:stCondLst>
+                                            <p:cond delay="0"/>
+                                          </p:stCondLst>
+                                        </p:cTn>
+                                        <p:tgtEl>
+                                          <p:spTgt spid="7"/>
+                                        </p:tgtEl>
+                                        <p:attrNameLst>
+                                          <p:attrName>style.visibility</p:attrName>
+                                        </p:attrNameLst>
+                                      </p:cBhvr>
+                                      <p:to>
+                                        <p:strVal val="visible"/>
+                                      </p:to>
+                                    </p:set>
+                                  </p:childTnLst>
+                                </p:cTn>
+                              </p:par>
+                            </p:childTnLst>
+                          </p:cTn>
+                        </p:par>
+                      </p:childTnLst>
+                    </p:cTn>
+                  </p:par>
+                  <p:par>
+                    <p:cTn id="7" fill="hold">
+                      <p:stCondLst>
+                        <p:cond delay="indefinite"/>
+                      </p:stCondLst>
+                      <p:childTnLst>
+                        <p:par>
+                          <p:cTn id="8" fill="hold">
+                            <p:stCondLst>
+                              <p:cond delay="0"/>
+                            </p:stCondLst>
+                            <p:childTnLst>
+                              <p:par>
+                                <p:cTn id="9" presetID="1" presetClass="entr" presetSubtype="0" fill="hold" grpId="0" nodeType="clickEffect">
+                                  <p:stCondLst>
+                                    <p:cond delay="0"/>
+                                  </p:stCondLst>
+                                  <p:childTnLst>
+                                    <p:set>
+                                      <p:cBhvr>
+                                        <p:cTn id="10" dur="1" fill="hold">
                                           <p:stCondLst>
                                             <p:cond delay="0"/>
                                           </p:stCondLst>
@@ -5240,52 +5285,6 @@
                                         <p:strVal val="visible"/>
                                       </p:to>
                                     </p:set>
-                                    <p:anim calcmode="lin" valueType="num">
-                                      <p:cBhvr additive="base">
-                                        <p:cTn id="7" dur="250" fill="hold"/>
-                                        <p:tgtEl>
-                                          <p:spTgt spid="10"/>
-                                        </p:tgtEl>
-                                        <p:attrNameLst>
-                                          <p:attrName>ppt_x</p:attrName>
-                                        </p:attrNameLst>
-                                      </p:cBhvr>
-                                      <p:tavLst>
-                                        <p:tav tm="0">
-                                          <p:val>
-                                            <p:strVal val="#ppt_x"/>
-                                          </p:val>
-                                        </p:tav>
-                                        <p:tav tm="100000">
-                                          <p:val>
-                                            <p:strVal val="#ppt_x"/>
-                                          </p:val>
-                                        </p:tav>
-                                      </p:tavLst>
-                                    </p:anim>
-                                    <p:anim calcmode="lin" valueType="num">
-                                      <p:cBhvr additive="base">
-                                        <p:cTn id="8" dur="250" fill="hold"/>
-                                        <p:tgtEl>
-                                          <p:spTgt spid="10"/>
-                                        </p:tgtEl>
-                                        <p:attrNameLst>
-                                          <p:attrName>ppt_y</p:attrName>
-                                        </p:attrNameLst>
-                                      </p:cBhvr>
-                                      <p:tavLst>
-                                        <p:tav tm="0">
-                                          <p:val>
-                                            <p:strVal val="1+#ppt_h/2"/>
-                                          </p:val>
-                                        </p:tav>
-                                        <p:tav tm="100000">
-                                          <p:val>
-                                            <p:strVal val="#ppt_y"/>
-                                          </p:val>
-                                        </p:tav>
-                                      </p:tavLst>
-                                    </p:anim>
                                   </p:childTnLst>
                                 </p:cTn>
                               </p:par>
@@ -5296,26 +5295,26 @@
                     </p:cTn>
                   </p:par>
                   <p:par>
-                    <p:cTn id="9" fill="hold">
+                    <p:cTn id="11" fill="hold">
                       <p:stCondLst>
                         <p:cond delay="indefinite"/>
                       </p:stCondLst>
                       <p:childTnLst>
                         <p:par>
-                          <p:cTn id="10" fill="hold">
+                          <p:cTn id="12" fill="hold">
                             <p:stCondLst>
                               <p:cond delay="0"/>
                             </p:stCondLst>
                             <p:childTnLst>
                               <p:par>
-                                <p:cTn id="11" presetID="2" presetClass="entr" presetSubtype="4" fill="hold" grpId="0" nodeType="clickEffect">
+                                <p:cTn id="13" presetID="1" presetClass="entr" presetSubtype="0" fill="hold" grpId="0" nodeType="clickEffect">
                                   <p:stCondLst>
                                     <p:cond delay="0"/>
                                   </p:stCondLst>
                                   <p:childTnLst>
                                     <p:set>
                                       <p:cBhvr>
-                                        <p:cTn id="12" dur="1" fill="hold">
+                                        <p:cTn id="14" dur="1" fill="hold">
                                           <p:stCondLst>
                                             <p:cond delay="0"/>
                                           </p:stCondLst>
@@ -5331,52 +5330,6 @@
                                         <p:strVal val="visible"/>
                                       </p:to>
                                     </p:set>
-                                    <p:anim calcmode="lin" valueType="num">
-                                      <p:cBhvr additive="base">
-                                        <p:cTn id="13" dur="250" fill="hold"/>
-                                        <p:tgtEl>
-                                          <p:spTgt spid="8"/>
-                                        </p:tgtEl>
-                                        <p:attrNameLst>
-                                          <p:attrName>ppt_x</p:attrName>
-                                        </p:attrNameLst>
-                                      </p:cBhvr>
-                                      <p:tavLst>
-                                        <p:tav tm="0">
-                                          <p:val>
-                                            <p:strVal val="#ppt_x"/>
-                                          </p:val>
-                                        </p:tav>
-                                        <p:tav tm="100000">
-                                          <p:val>
-                                            <p:strVal val="#ppt_x"/>
-                                          </p:val>
-                                        </p:tav>
-                                      </p:tavLst>
-                                    </p:anim>
-                                    <p:anim calcmode="lin" valueType="num">
-                                      <p:cBhvr additive="base">
-                                        <p:cTn id="14" dur="250" fill="hold"/>
-                                        <p:tgtEl>
-                                          <p:spTgt spid="8"/>
-                                        </p:tgtEl>
-                                        <p:attrNameLst>
-                                          <p:attrName>ppt_y</p:attrName>
-                                        </p:attrNameLst>
-                                      </p:cBhvr>
-                                      <p:tavLst>
-                                        <p:tav tm="0">
-                                          <p:val>
-                                            <p:strVal val="1+#ppt_h/2"/>
-                                          </p:val>
-                                        </p:tav>
-                                        <p:tav tm="100000">
-                                          <p:val>
-                                            <p:strVal val="#ppt_y"/>
-                                          </p:val>
-                                        </p:tav>
-                                      </p:tavLst>
-                                    </p:anim>
                                   </p:childTnLst>
                                 </p:cTn>
                               </p:par>
@@ -5409,6 +5362,7 @@
     </p:tnLst>
     <p:bldLst>
       <p:bldP spid="10" grpId="0"/>
+      <p:bldP spid="7" grpId="0"/>
       <p:bldP spid="8" grpId="0"/>
     </p:bldLst>
   </p:timing>
@@ -5447,14 +5401,14 @@
           <p:nvPr>
             <p:extLst>
               <p:ext uri="{D42A27DB-BD31-4B8C-83A1-F6EECF244321}">
-                <p14:modId xmlns:p14="http://schemas.microsoft.com/office/powerpoint/2010/main" val="3736762754"/>
+                <p14:modId xmlns:p14="http://schemas.microsoft.com/office/powerpoint/2010/main" val="416973949"/>
               </p:ext>
             </p:extLst>
           </p:nvPr>
         </p:nvGraphicFramePr>
         <p:xfrm>
-          <a:off x="243052" y="1067123"/>
-          <a:ext cx="11705895" cy="4051740"/>
+          <a:off x="254524" y="1067122"/>
+          <a:ext cx="11694423" cy="4554426"/>
         </p:xfrm>
         <a:graphic>
           <a:graphicData uri="http://schemas.openxmlformats.org/drawingml/2006/table">
@@ -5463,21 +5417,21 @@
                 <a:tableStyleId>{5C22544A-7EE6-4342-B048-85BDC9FD1C3A}</a:tableStyleId>
               </a:tblPr>
               <a:tblGrid>
-                <a:gridCol w="3901965">
+                <a:gridCol w="3898141">
                   <a:extLst>
                     <a:ext uri="{9D8B030D-6E8A-4147-A177-3AD203B41FA5}">
                       <a16:colId xmlns:a16="http://schemas.microsoft.com/office/drawing/2014/main" val="2418642178"/>
                     </a:ext>
                   </a:extLst>
                 </a:gridCol>
-                <a:gridCol w="3901965">
+                <a:gridCol w="3898141">
                   <a:extLst>
                     <a:ext uri="{9D8B030D-6E8A-4147-A177-3AD203B41FA5}">
                       <a16:colId xmlns:a16="http://schemas.microsoft.com/office/drawing/2014/main" val="576198228"/>
                     </a:ext>
                   </a:extLst>
                 </a:gridCol>
-                <a:gridCol w="3901965">
+                <a:gridCol w="3898141">
                   <a:extLst>
                     <a:ext uri="{9D8B030D-6E8A-4147-A177-3AD203B41FA5}">
                       <a16:colId xmlns:a16="http://schemas.microsoft.com/office/drawing/2014/main" val="924655872"/>
@@ -5485,7 +5439,7 @@
                   </a:extLst>
                 </a:gridCol>
               </a:tblGrid>
-              <a:tr h="1095705">
+              <a:tr h="1231645">
                 <a:tc>
                   <a:txBody>
                     <a:bodyPr/>
@@ -5494,7 +5448,7 @@
                       <a:pPr algn="ctr"/>
                       <a:r>
                         <a:rPr lang="de-DE" sz="4000" dirty="0"/>
-                        <a:t>Person B</a:t>
+                        <a:t>Person A</a:t>
                       </a:r>
                     </a:p>
                   </a:txBody>
@@ -5507,9 +5461,10 @@
                     <a:p>
                       <a:pPr algn="ctr"/>
                       <a:r>
-                        <a:rPr lang="de-DE" sz="4000" dirty="0"/>
-                        <a:t>Person C</a:t>
+                        <a:rPr lang="de-DE" sz="4000"/>
+                        <a:t>Person B</a:t>
                       </a:r>
+                      <a:endParaRPr lang="de-DE" sz="4000" dirty="0"/>
                     </a:p>
                   </a:txBody>
                   <a:tcPr/>
@@ -5534,7 +5489,7 @@
                   </a:ext>
                 </a:extLst>
               </a:tr>
-              <a:tr h="2956035">
+              <a:tr h="3322781">
                 <a:tc>
                   <a:txBody>
                     <a:bodyPr/>
@@ -5593,7 +5548,7 @@
         <p:spPr>
           <a:xfrm>
             <a:off x="8251795" y="2705725"/>
-            <a:ext cx="3355781" cy="1446550"/>
+            <a:ext cx="3355781" cy="1569660"/>
           </a:xfrm>
           <a:prstGeom prst="rect">
             <a:avLst/>
@@ -5607,7 +5562,7 @@
           <a:lstStyle/>
           <a:p>
             <a:r>
-              <a:rPr lang="de-DE" sz="4400" dirty="0"/>
+              <a:rPr lang="de-DE" sz="4800" dirty="0"/>
               <a:t>schwatzt mit Nachbar*in</a:t>
             </a:r>
           </a:p>
@@ -5667,7 +5622,7 @@
         <p:spPr>
           <a:xfrm>
             <a:off x="461716" y="2574560"/>
-            <a:ext cx="3478490" cy="2123658"/>
+            <a:ext cx="3478490" cy="3046988"/>
           </a:xfrm>
           <a:prstGeom prst="rect">
             <a:avLst/>
@@ -5681,7 +5636,7 @@
           <a:lstStyle/>
           <a:p>
             <a:r>
-              <a:rPr lang="de-DE" sz="4400" dirty="0"/>
+              <a:rPr lang="de-DE" sz="4800" dirty="0"/>
               <a:t>steht in der Klasse auf und geht herum</a:t>
             </a:r>
           </a:p>
@@ -5702,7 +5657,7 @@
         <p:spPr>
           <a:xfrm>
             <a:off x="4588795" y="2607322"/>
-            <a:ext cx="3355781" cy="2123658"/>
+            <a:ext cx="3355781" cy="2308324"/>
           </a:xfrm>
           <a:prstGeom prst="rect">
             <a:avLst/>
@@ -5716,7 +5671,7 @@
           <a:lstStyle/>
           <a:p>
             <a:r>
-              <a:rPr lang="de-DE" sz="4400" dirty="0"/>
+              <a:rPr lang="de-DE" sz="4800" dirty="0"/>
               <a:t>legt Kopf auf Bank und schläft</a:t>
             </a:r>
           </a:p>
@@ -5753,7 +5708,7 @@
                             </p:stCondLst>
                             <p:childTnLst>
                               <p:par>
-                                <p:cTn id="5" presetID="2" presetClass="entr" presetSubtype="4" fill="hold" grpId="0" nodeType="clickEffect">
+                                <p:cTn id="5" presetID="1" presetClass="entr" presetSubtype="0" fill="hold" grpId="0" nodeType="clickEffect">
                                   <p:stCondLst>
                                     <p:cond delay="0"/>
                                   </p:stCondLst>
@@ -5761,6 +5716,96 @@
                                     <p:set>
                                       <p:cBhvr>
                                         <p:cTn id="6" dur="1" fill="hold">
+                                          <p:stCondLst>
+                                            <p:cond delay="0"/>
+                                          </p:stCondLst>
+                                        </p:cTn>
+                                        <p:tgtEl>
+                                          <p:spTgt spid="7"/>
+                                        </p:tgtEl>
+                                        <p:attrNameLst>
+                                          <p:attrName>style.visibility</p:attrName>
+                                        </p:attrNameLst>
+                                      </p:cBhvr>
+                                      <p:to>
+                                        <p:strVal val="visible"/>
+                                      </p:to>
+                                    </p:set>
+                                  </p:childTnLst>
+                                </p:cTn>
+                              </p:par>
+                            </p:childTnLst>
+                          </p:cTn>
+                        </p:par>
+                      </p:childTnLst>
+                    </p:cTn>
+                  </p:par>
+                  <p:par>
+                    <p:cTn id="7" fill="hold">
+                      <p:stCondLst>
+                        <p:cond delay="indefinite"/>
+                      </p:stCondLst>
+                      <p:childTnLst>
+                        <p:par>
+                          <p:cTn id="8" fill="hold">
+                            <p:stCondLst>
+                              <p:cond delay="0"/>
+                            </p:stCondLst>
+                            <p:childTnLst>
+                              <p:par>
+                                <p:cTn id="9" presetID="1" presetClass="entr" presetSubtype="0" fill="hold" grpId="0" nodeType="clickEffect">
+                                  <p:stCondLst>
+                                    <p:cond delay="0"/>
+                                  </p:stCondLst>
+                                  <p:childTnLst>
+                                    <p:set>
+                                      <p:cBhvr>
+                                        <p:cTn id="10" dur="1" fill="hold">
+                                          <p:stCondLst>
+                                            <p:cond delay="0"/>
+                                          </p:stCondLst>
+                                        </p:cTn>
+                                        <p:tgtEl>
+                                          <p:spTgt spid="8"/>
+                                        </p:tgtEl>
+                                        <p:attrNameLst>
+                                          <p:attrName>style.visibility</p:attrName>
+                                        </p:attrNameLst>
+                                      </p:cBhvr>
+                                      <p:to>
+                                        <p:strVal val="visible"/>
+                                      </p:to>
+                                    </p:set>
+                                  </p:childTnLst>
+                                </p:cTn>
+                              </p:par>
+                            </p:childTnLst>
+                          </p:cTn>
+                        </p:par>
+                      </p:childTnLst>
+                    </p:cTn>
+                  </p:par>
+                  <p:par>
+                    <p:cTn id="11" fill="hold">
+                      <p:stCondLst>
+                        <p:cond delay="indefinite"/>
+                      </p:stCondLst>
+                      <p:childTnLst>
+                        <p:par>
+                          <p:cTn id="12" fill="hold">
+                            <p:stCondLst>
+                              <p:cond delay="0"/>
+                            </p:stCondLst>
+                            <p:childTnLst>
+                              <p:par>
+                                <p:cTn id="13" presetID="1" presetClass="entr" presetSubtype="0" fill="hold" grpId="0" nodeType="clickEffect">
+                                  <p:stCondLst>
+                                    <p:cond delay="0"/>
+                                  </p:stCondLst>
+                                  <p:childTnLst>
+                                    <p:set>
+                                      <p:cBhvr>
+                                        <p:cTn id="14" dur="1" fill="hold">
                                           <p:stCondLst>
                                             <p:cond delay="0"/>
                                           </p:stCondLst>
@@ -5776,143 +5821,6 @@
                                         <p:strVal val="visible"/>
                                       </p:to>
                                     </p:set>
-                                    <p:anim calcmode="lin" valueType="num">
-                                      <p:cBhvr additive="base">
-                                        <p:cTn id="7" dur="250" fill="hold"/>
-                                        <p:tgtEl>
-                                          <p:spTgt spid="12"/>
-                                        </p:tgtEl>
-                                        <p:attrNameLst>
-                                          <p:attrName>ppt_x</p:attrName>
-                                        </p:attrNameLst>
-                                      </p:cBhvr>
-                                      <p:tavLst>
-                                        <p:tav tm="0">
-                                          <p:val>
-                                            <p:strVal val="#ppt_x"/>
-                                          </p:val>
-                                        </p:tav>
-                                        <p:tav tm="100000">
-                                          <p:val>
-                                            <p:strVal val="#ppt_x"/>
-                                          </p:val>
-                                        </p:tav>
-                                      </p:tavLst>
-                                    </p:anim>
-                                    <p:anim calcmode="lin" valueType="num">
-                                      <p:cBhvr additive="base">
-                                        <p:cTn id="8" dur="250" fill="hold"/>
-                                        <p:tgtEl>
-                                          <p:spTgt spid="12"/>
-                                        </p:tgtEl>
-                                        <p:attrNameLst>
-                                          <p:attrName>ppt_y</p:attrName>
-                                        </p:attrNameLst>
-                                      </p:cBhvr>
-                                      <p:tavLst>
-                                        <p:tav tm="0">
-                                          <p:val>
-                                            <p:strVal val="1+#ppt_h/2"/>
-                                          </p:val>
-                                        </p:tav>
-                                        <p:tav tm="100000">
-                                          <p:val>
-                                            <p:strVal val="#ppt_y"/>
-                                          </p:val>
-                                        </p:tav>
-                                      </p:tavLst>
-                                    </p:anim>
-                                  </p:childTnLst>
-                                </p:cTn>
-                              </p:par>
-                            </p:childTnLst>
-                          </p:cTn>
-                        </p:par>
-                      </p:childTnLst>
-                    </p:cTn>
-                  </p:par>
-                  <p:par>
-                    <p:cTn id="9" fill="hold">
-                      <p:stCondLst>
-                        <p:cond delay="indefinite"/>
-                      </p:stCondLst>
-                      <p:childTnLst>
-                        <p:par>
-                          <p:cTn id="10" fill="hold">
-                            <p:stCondLst>
-                              <p:cond delay="0"/>
-                            </p:stCondLst>
-                            <p:childTnLst>
-                              <p:par>
-                                <p:cTn id="11" presetID="2" presetClass="entr" presetSubtype="4" fill="hold" grpId="0" nodeType="clickEffect">
-                                  <p:stCondLst>
-                                    <p:cond delay="0"/>
-                                  </p:stCondLst>
-                                  <p:childTnLst>
-                                    <p:set>
-                                      <p:cBhvr>
-                                        <p:cTn id="12" dur="1" fill="hold">
-                                          <p:stCondLst>
-                                            <p:cond delay="0"/>
-                                          </p:stCondLst>
-                                        </p:cTn>
-                                        <p:tgtEl>
-                                          <p:spTgt spid="8"/>
-                                        </p:tgtEl>
-                                        <p:attrNameLst>
-                                          <p:attrName>style.visibility</p:attrName>
-                                        </p:attrNameLst>
-                                      </p:cBhvr>
-                                      <p:to>
-                                        <p:strVal val="visible"/>
-                                      </p:to>
-                                    </p:set>
-                                    <p:anim calcmode="lin" valueType="num">
-                                      <p:cBhvr additive="base">
-                                        <p:cTn id="13" dur="250" fill="hold"/>
-                                        <p:tgtEl>
-                                          <p:spTgt spid="8"/>
-                                        </p:tgtEl>
-                                        <p:attrNameLst>
-                                          <p:attrName>ppt_x</p:attrName>
-                                        </p:attrNameLst>
-                                      </p:cBhvr>
-                                      <p:tavLst>
-                                        <p:tav tm="0">
-                                          <p:val>
-                                            <p:strVal val="#ppt_x"/>
-                                          </p:val>
-                                        </p:tav>
-                                        <p:tav tm="100000">
-                                          <p:val>
-                                            <p:strVal val="#ppt_x"/>
-                                          </p:val>
-                                        </p:tav>
-                                      </p:tavLst>
-                                    </p:anim>
-                                    <p:anim calcmode="lin" valueType="num">
-                                      <p:cBhvr additive="base">
-                                        <p:cTn id="14" dur="250" fill="hold"/>
-                                        <p:tgtEl>
-                                          <p:spTgt spid="8"/>
-                                        </p:tgtEl>
-                                        <p:attrNameLst>
-                                          <p:attrName>ppt_y</p:attrName>
-                                        </p:attrNameLst>
-                                      </p:cBhvr>
-                                      <p:tavLst>
-                                        <p:tav tm="0">
-                                          <p:val>
-                                            <p:strVal val="1+#ppt_h/2"/>
-                                          </p:val>
-                                        </p:tav>
-                                        <p:tav tm="100000">
-                                          <p:val>
-                                            <p:strVal val="#ppt_y"/>
-                                          </p:val>
-                                        </p:tav>
-                                      </p:tavLst>
-                                    </p:anim>
                                   </p:childTnLst>
                                 </p:cTn>
                               </p:par>
@@ -5945,6 +5853,7 @@
     </p:tnLst>
     <p:bldLst>
       <p:bldP spid="12" grpId="0"/>
+      <p:bldP spid="7" grpId="0"/>
       <p:bldP spid="8" grpId="0"/>
     </p:bldLst>
   </p:timing>

--- a/studies/labor study_A/script_labpilotpersonC.pptx
+++ b/studies/labor study_A/script_labpilotpersonC.pptx
@@ -10,8 +10,8 @@
     <p:sldId id="276" r:id="rId4"/>
     <p:sldId id="277" r:id="rId5"/>
     <p:sldId id="273" r:id="rId6"/>
-    <p:sldId id="307" r:id="rId7"/>
-    <p:sldId id="308" r:id="rId8"/>
+    <p:sldId id="309" r:id="rId7"/>
+    <p:sldId id="310" r:id="rId8"/>
     <p:sldId id="305" r:id="rId9"/>
     <p:sldId id="301" r:id="rId10"/>
     <p:sldId id="303" r:id="rId11"/>
@@ -348,7 +348,7 @@
             <a:fld id="{87DE6118-2437-4B30-8E3C-4D2BE6020583}" type="datetimeFigureOut">
               <a:rPr lang="en-US" smtClean="0"/>
               <a:pPr/>
-              <a:t>7/28/2020</a:t>
+              <a:t>8/3/2020</a:t>
             </a:fld>
             <a:endParaRPr lang="en-US" dirty="0"/>
           </a:p>
@@ -557,7 +557,7 @@
           <a:p>
             <a:fld id="{87DE6118-2437-4B30-8E3C-4D2BE6020583}" type="datetimeFigureOut">
               <a:rPr lang="en-US" smtClean="0"/>
-              <a:t>7/28/2020</a:t>
+              <a:t>8/3/2020</a:t>
             </a:fld>
             <a:endParaRPr lang="en-US" dirty="0"/>
           </a:p>
@@ -813,7 +813,7 @@
           <a:p>
             <a:fld id="{87DE6118-2437-4B30-8E3C-4D2BE6020583}" type="datetimeFigureOut">
               <a:rPr lang="en-US" smtClean="0"/>
-              <a:t>7/28/2020</a:t>
+              <a:t>8/3/2020</a:t>
             </a:fld>
             <a:endParaRPr lang="en-US" dirty="0"/>
           </a:p>
@@ -987,7 +987,7 @@
           <a:p>
             <a:fld id="{87DE6118-2437-4B30-8E3C-4D2BE6020583}" type="datetimeFigureOut">
               <a:rPr lang="en-US" smtClean="0"/>
-              <a:t>7/28/2020</a:t>
+              <a:t>8/3/2020</a:t>
             </a:fld>
             <a:endParaRPr lang="en-US" dirty="0"/>
           </a:p>
@@ -1331,7 +1331,7 @@
             <a:fld id="{87DE6118-2437-4B30-8E3C-4D2BE6020583}" type="datetimeFigureOut">
               <a:rPr lang="en-US" smtClean="0"/>
               <a:pPr/>
-              <a:t>7/28/2020</a:t>
+              <a:t>8/3/2020</a:t>
             </a:fld>
             <a:endParaRPr lang="en-US" dirty="0"/>
           </a:p>
@@ -1607,7 +1607,7 @@
           <a:p>
             <a:fld id="{87DE6118-2437-4B30-8E3C-4D2BE6020583}" type="datetimeFigureOut">
               <a:rPr lang="en-US" smtClean="0"/>
-              <a:t>7/28/2020</a:t>
+              <a:t>8/3/2020</a:t>
             </a:fld>
             <a:endParaRPr lang="en-US" dirty="0"/>
           </a:p>
@@ -1986,7 +1986,7 @@
           <a:p>
             <a:fld id="{87DE6118-2437-4B30-8E3C-4D2BE6020583}" type="datetimeFigureOut">
               <a:rPr lang="en-US" smtClean="0"/>
-              <a:t>7/28/2020</a:t>
+              <a:t>8/3/2020</a:t>
             </a:fld>
             <a:endParaRPr lang="en-US" dirty="0"/>
           </a:p>
@@ -2104,7 +2104,7 @@
           <a:p>
             <a:fld id="{87DE6118-2437-4B30-8E3C-4D2BE6020583}" type="datetimeFigureOut">
               <a:rPr lang="en-US" smtClean="0"/>
-              <a:t>7/28/2020</a:t>
+              <a:t>8/3/2020</a:t>
             </a:fld>
             <a:endParaRPr lang="en-US" dirty="0"/>
           </a:p>
@@ -2275,7 +2275,7 @@
           <a:p>
             <a:fld id="{87DE6118-2437-4B30-8E3C-4D2BE6020583}" type="datetimeFigureOut">
               <a:rPr lang="en-US" smtClean="0"/>
-              <a:t>7/28/2020</a:t>
+              <a:t>8/3/2020</a:t>
             </a:fld>
             <a:endParaRPr lang="en-US" dirty="0"/>
           </a:p>
@@ -2630,7 +2630,7 @@
             <a:fld id="{87DE6118-2437-4B30-8E3C-4D2BE6020583}" type="datetimeFigureOut">
               <a:rPr lang="en-US" smtClean="0"/>
               <a:pPr/>
-              <a:t>7/28/2020</a:t>
+              <a:t>8/3/2020</a:t>
             </a:fld>
             <a:endParaRPr lang="en-US" dirty="0"/>
           </a:p>
@@ -3014,7 +3014,7 @@
             <a:fld id="{87DE6118-2437-4B30-8E3C-4D2BE6020583}" type="datetimeFigureOut">
               <a:rPr lang="en-US" smtClean="0"/>
               <a:pPr/>
-              <a:t>7/28/2020</a:t>
+              <a:t>8/3/2020</a:t>
             </a:fld>
             <a:endParaRPr lang="en-US" dirty="0"/>
           </a:p>
@@ -3303,7 +3303,7 @@
             <a:fld id="{87DE6118-2437-4B30-8E3C-4D2BE6020583}" type="datetimeFigureOut">
               <a:rPr lang="en-US" smtClean="0"/>
               <a:pPr/>
-              <a:t>7/28/2020</a:t>
+              <a:t>8/3/2020</a:t>
             </a:fld>
             <a:endParaRPr lang="en-US" dirty="0"/>
           </a:p>
@@ -3896,7 +3896,7 @@
                   </a:outerShdw>
                 </a:effectLst>
               </a:rPr>
-              <a:t>Pilot A</a:t>
+              <a:t>Pilot A	</a:t>
             </a:r>
           </a:p>
         </p:txBody>
@@ -4219,8 +4219,8 @@
         </p:nvSpPr>
         <p:spPr>
           <a:xfrm>
-            <a:off x="1686785" y="1154202"/>
-            <a:ext cx="8361229" cy="3188848"/>
+            <a:off x="1206018" y="1173056"/>
+            <a:ext cx="9314295" cy="3188848"/>
           </a:xfrm>
         </p:spPr>
         <p:txBody>
@@ -4229,7 +4229,7 @@
           <a:p>
             <a:r>
               <a:rPr lang="de-DE" dirty="0"/>
-              <a:t>Unterrichts-störungen</a:t>
+              <a:t>Unterrichtsstörungen</a:t>
             </a:r>
           </a:p>
         </p:txBody>
@@ -4279,14 +4279,14 @@
           <p:nvPr>
             <p:extLst>
               <p:ext uri="{D42A27DB-BD31-4B8C-83A1-F6EECF244321}">
-                <p14:modId xmlns:p14="http://schemas.microsoft.com/office/powerpoint/2010/main" val="140721067"/>
+                <p14:modId xmlns:p14="http://schemas.microsoft.com/office/powerpoint/2010/main" val="3698741033"/>
               </p:ext>
             </p:extLst>
           </p:nvPr>
         </p:nvGraphicFramePr>
         <p:xfrm>
-          <a:off x="235670" y="1067122"/>
-          <a:ext cx="11713278" cy="4466411"/>
+          <a:off x="245097" y="187941"/>
+          <a:ext cx="11703849" cy="5695830"/>
         </p:xfrm>
         <a:graphic>
           <a:graphicData uri="http://schemas.openxmlformats.org/drawingml/2006/table">
@@ -4295,21 +4295,21 @@
                 <a:tableStyleId>{5C22544A-7EE6-4342-B048-85BDC9FD1C3A}</a:tableStyleId>
               </a:tblPr>
               <a:tblGrid>
-                <a:gridCol w="3904426">
+                <a:gridCol w="3901283">
                   <a:extLst>
                     <a:ext uri="{9D8B030D-6E8A-4147-A177-3AD203B41FA5}">
                       <a16:colId xmlns:a16="http://schemas.microsoft.com/office/drawing/2014/main" val="2418642178"/>
                     </a:ext>
                   </a:extLst>
                 </a:gridCol>
-                <a:gridCol w="3904426">
+                <a:gridCol w="3901283">
                   <a:extLst>
                     <a:ext uri="{9D8B030D-6E8A-4147-A177-3AD203B41FA5}">
                       <a16:colId xmlns:a16="http://schemas.microsoft.com/office/drawing/2014/main" val="576198228"/>
                     </a:ext>
                   </a:extLst>
                 </a:gridCol>
-                <a:gridCol w="3904426">
+                <a:gridCol w="3901283">
                   <a:extLst>
                     <a:ext uri="{9D8B030D-6E8A-4147-A177-3AD203B41FA5}">
                       <a16:colId xmlns:a16="http://schemas.microsoft.com/office/drawing/2014/main" val="924655872"/>
@@ -4317,7 +4317,7 @@
                   </a:extLst>
                 </a:gridCol>
               </a:tblGrid>
-              <a:tr h="1207844">
+              <a:tr h="1540313">
                 <a:tc>
                   <a:txBody>
                     <a:bodyPr/>
@@ -4325,7 +4325,7 @@
                     <a:p>
                       <a:pPr algn="ctr"/>
                       <a:r>
-                        <a:rPr lang="de-DE" sz="4000" dirty="0"/>
+                        <a:rPr lang="de-DE" sz="4800" dirty="0"/>
                         <a:t>Person A</a:t>
                       </a:r>
                     </a:p>
@@ -4339,7 +4339,7 @@
                     <a:p>
                       <a:pPr algn="ctr"/>
                       <a:r>
-                        <a:rPr lang="de-DE" sz="4000" dirty="0"/>
+                        <a:rPr lang="de-DE" sz="4800" dirty="0"/>
                         <a:t>Person B</a:t>
                       </a:r>
                     </a:p>
@@ -4353,7 +4353,7 @@
                     <a:p>
                       <a:pPr algn="ctr"/>
                       <a:r>
-                        <a:rPr lang="de-DE" sz="4000" dirty="0"/>
+                        <a:rPr lang="de-DE" sz="4800" dirty="0"/>
                         <a:t>Person D</a:t>
                       </a:r>
                     </a:p>
@@ -4366,7 +4366,7 @@
                   </a:ext>
                 </a:extLst>
               </a:tr>
-              <a:tr h="3258567">
+              <a:tr h="4155517">
                 <a:tc>
                   <a:txBody>
                     <a:bodyPr/>
@@ -4412,10 +4412,10 @@
       </p:graphicFrame>
       <p:sp>
         <p:nvSpPr>
-          <p:cNvPr id="2" name="Textfeld 1">
+          <p:cNvPr id="13" name="Textfeld 12">
             <a:extLst>
               <a:ext uri="{FF2B5EF4-FFF2-40B4-BE49-F238E27FC236}">
-                <a16:creationId xmlns:a16="http://schemas.microsoft.com/office/drawing/2014/main" id="{66481C0A-9CA7-4557-93EF-2E86A2973C59}"/>
+                <a16:creationId xmlns:a16="http://schemas.microsoft.com/office/drawing/2014/main" id="{1DC30DDC-9BBC-45F8-A7BD-0AB20420B4A2}"/>
               </a:ext>
             </a:extLst>
           </p:cNvPr>
@@ -4424,8 +4424,8 @@
         </p:nvSpPr>
         <p:spPr>
           <a:xfrm>
-            <a:off x="9697730" y="5883770"/>
-            <a:ext cx="2251217" cy="646331"/>
+            <a:off x="8313945" y="2260430"/>
+            <a:ext cx="3355781" cy="3416320"/>
           </a:xfrm>
           <a:prstGeom prst="rect">
             <a:avLst/>
@@ -4439,9 +4439,53 @@
           <a:lstStyle/>
           <a:p>
             <a:r>
-              <a:rPr lang="de-DE" dirty="0"/>
-              <a:t>Minute 00:01 – 00:04	</a:t>
-            </a:r>
+              <a:rPr lang="de-DE" sz="5400" dirty="0"/>
+              <a:t>kritzelt auf Arbeits-blatt herum </a:t>
+            </a:r>
+          </a:p>
+        </p:txBody>
+      </p:sp>
+      <p:sp>
+        <p:nvSpPr>
+          <p:cNvPr id="7" name="Textfeld 6">
+            <a:extLst>
+              <a:ext uri="{FF2B5EF4-FFF2-40B4-BE49-F238E27FC236}">
+                <a16:creationId xmlns:a16="http://schemas.microsoft.com/office/drawing/2014/main" id="{7F02EB6C-9884-4113-A7A0-3A8DD76BE44D}"/>
+              </a:ext>
+            </a:extLst>
+          </p:cNvPr>
+          <p:cNvSpPr txBox="1"/>
+          <p:nvPr/>
+        </p:nvSpPr>
+        <p:spPr>
+          <a:xfrm>
+            <a:off x="522274" y="2260430"/>
+            <a:ext cx="3559532" cy="3693319"/>
+          </a:xfrm>
+          <a:prstGeom prst="rect">
+            <a:avLst/>
+          </a:prstGeom>
+          <a:noFill/>
+        </p:spPr>
+        <p:txBody>
+          <a:bodyPr wrap="square" rtlCol="0">
+            <a:spAutoFit/>
+          </a:bodyPr>
+          <a:lstStyle/>
+          <a:p>
+            <a:r>
+              <a:rPr lang="de-DE" sz="5400" dirty="0"/>
+              <a:t>ruft laut in die Klasse:</a:t>
+            </a:r>
+          </a:p>
+          <a:p>
+            <a:r>
+              <a:rPr lang="de-DE" sz="5400" dirty="0"/>
+              <a:t>„Ich muss mal!“</a:t>
+            </a:r>
+          </a:p>
+          <a:p>
+            <a:endParaRPr lang="de-DE" dirty="0"/>
           </a:p>
         </p:txBody>
       </p:sp>
@@ -4459,8 +4503,8 @@
         </p:nvSpPr>
         <p:spPr>
           <a:xfrm>
-            <a:off x="522274" y="2372796"/>
-            <a:ext cx="2899110" cy="3046988"/>
+            <a:off x="4414682" y="2260430"/>
+            <a:ext cx="3566387" cy="3416320"/>
           </a:xfrm>
           <a:prstGeom prst="rect">
             <a:avLst/>
@@ -4474,14 +4518,8 @@
           <a:lstStyle/>
           <a:p>
             <a:r>
-              <a:rPr lang="de-DE" sz="4800" dirty="0"/>
-              <a:t>ruft laut in die Klasse:</a:t>
-            </a:r>
-          </a:p>
-          <a:p>
-            <a:r>
-              <a:rPr lang="de-DE" sz="4800" dirty="0"/>
-              <a:t>„Ich muss mal!“</a:t>
+              <a:rPr lang="de-DE" sz="5400" dirty="0"/>
+              <a:t>klickert nervös mit dem Kugel-schreiben</a:t>
             </a:r>
           </a:p>
         </p:txBody>
@@ -4491,7 +4529,7 @@
           <p:cNvPr id="10" name="Textfeld 9">
             <a:extLst>
               <a:ext uri="{FF2B5EF4-FFF2-40B4-BE49-F238E27FC236}">
-                <a16:creationId xmlns:a16="http://schemas.microsoft.com/office/drawing/2014/main" id="{65F71787-AAF1-4BB6-89C1-C746FF55E705}"/>
+                <a16:creationId xmlns:a16="http://schemas.microsoft.com/office/drawing/2014/main" id="{A79753FB-FBAF-4916-A37F-4FB504B712B8}"/>
               </a:ext>
             </a:extLst>
           </p:cNvPr>
@@ -4500,8 +4538,8 @@
         </p:nvSpPr>
         <p:spPr>
           <a:xfrm>
-            <a:off x="4343618" y="2372796"/>
-            <a:ext cx="3691106" cy="3046988"/>
+            <a:off x="9326881" y="6485393"/>
+            <a:ext cx="2807658" cy="646331"/>
           </a:xfrm>
           <a:prstGeom prst="rect">
             <a:avLst/>
@@ -4515,43 +4553,8 @@
           <a:lstStyle/>
           <a:p>
             <a:r>
-              <a:rPr lang="de-DE" sz="4800" dirty="0"/>
-              <a:t>klickert nervös mit dem Kugel-schreiben</a:t>
-            </a:r>
-          </a:p>
-        </p:txBody>
-      </p:sp>
-      <p:sp>
-        <p:nvSpPr>
-          <p:cNvPr id="11" name="Textfeld 10">
-            <a:extLst>
-              <a:ext uri="{FF2B5EF4-FFF2-40B4-BE49-F238E27FC236}">
-                <a16:creationId xmlns:a16="http://schemas.microsoft.com/office/drawing/2014/main" id="{113AD51C-2131-4223-88E5-121F71A6C002}"/>
-              </a:ext>
-            </a:extLst>
-          </p:cNvPr>
-          <p:cNvSpPr txBox="1"/>
-          <p:nvPr/>
-        </p:nvSpPr>
-        <p:spPr>
-          <a:xfrm>
-            <a:off x="8313945" y="2454879"/>
-            <a:ext cx="3355781" cy="2308324"/>
-          </a:xfrm>
-          <a:prstGeom prst="rect">
-            <a:avLst/>
-          </a:prstGeom>
-          <a:noFill/>
-        </p:spPr>
-        <p:txBody>
-          <a:bodyPr wrap="square" rtlCol="0">
-            <a:spAutoFit/>
-          </a:bodyPr>
-          <a:lstStyle/>
-          <a:p>
-            <a:r>
-              <a:rPr lang="de-DE" sz="4800" dirty="0"/>
-              <a:t>kritzelt auf Arbeitsblatt herum </a:t>
+              <a:rPr lang="de-DE" dirty="0"/>
+              <a:t>Minute 00:04 – 00:07 Folie I	</a:t>
             </a:r>
           </a:p>
         </p:txBody>
@@ -4560,1127 +4563,6 @@
     <p:extLst>
       <p:ext uri="{BB962C8B-B14F-4D97-AF65-F5344CB8AC3E}">
         <p14:creationId xmlns:p14="http://schemas.microsoft.com/office/powerpoint/2010/main" val="2892816671"/>
-      </p:ext>
-    </p:extLst>
-  </p:cSld>
-  <p:clrMapOvr>
-    <a:masterClrMapping/>
-  </p:clrMapOvr>
-  <p:timing>
-    <p:tnLst>
-      <p:par>
-        <p:cTn id="1" dur="indefinite" restart="never" nodeType="tmRoot">
-          <p:childTnLst>
-            <p:seq concurrent="1" nextAc="seek">
-              <p:cTn id="2" dur="indefinite" nodeType="mainSeq">
-                <p:childTnLst>
-                  <p:par>
-                    <p:cTn id="3" fill="hold">
-                      <p:stCondLst>
-                        <p:cond delay="indefinite"/>
-                      </p:stCondLst>
-                      <p:childTnLst>
-                        <p:par>
-                          <p:cTn id="4" fill="hold">
-                            <p:stCondLst>
-                              <p:cond delay="0"/>
-                            </p:stCondLst>
-                            <p:childTnLst>
-                              <p:par>
-                                <p:cTn id="5" presetID="2" presetClass="entr" presetSubtype="4" fill="hold" grpId="0" nodeType="clickEffect">
-                                  <p:stCondLst>
-                                    <p:cond delay="0"/>
-                                  </p:stCondLst>
-                                  <p:childTnLst>
-                                    <p:set>
-                                      <p:cBhvr>
-                                        <p:cTn id="6" dur="1" fill="hold">
-                                          <p:stCondLst>
-                                            <p:cond delay="0"/>
-                                          </p:stCondLst>
-                                        </p:cTn>
-                                        <p:tgtEl>
-                                          <p:spTgt spid="8"/>
-                                        </p:tgtEl>
-                                        <p:attrNameLst>
-                                          <p:attrName>style.visibility</p:attrName>
-                                        </p:attrNameLst>
-                                      </p:cBhvr>
-                                      <p:to>
-                                        <p:strVal val="visible"/>
-                                      </p:to>
-                                    </p:set>
-                                    <p:anim calcmode="lin" valueType="num">
-                                      <p:cBhvr additive="base">
-                                        <p:cTn id="7" dur="250" fill="hold"/>
-                                        <p:tgtEl>
-                                          <p:spTgt spid="8"/>
-                                        </p:tgtEl>
-                                        <p:attrNameLst>
-                                          <p:attrName>ppt_x</p:attrName>
-                                        </p:attrNameLst>
-                                      </p:cBhvr>
-                                      <p:tavLst>
-                                        <p:tav tm="0">
-                                          <p:val>
-                                            <p:strVal val="#ppt_x"/>
-                                          </p:val>
-                                        </p:tav>
-                                        <p:tav tm="100000">
-                                          <p:val>
-                                            <p:strVal val="#ppt_x"/>
-                                          </p:val>
-                                        </p:tav>
-                                      </p:tavLst>
-                                    </p:anim>
-                                    <p:anim calcmode="lin" valueType="num">
-                                      <p:cBhvr additive="base">
-                                        <p:cTn id="8" dur="250" fill="hold"/>
-                                        <p:tgtEl>
-                                          <p:spTgt spid="8"/>
-                                        </p:tgtEl>
-                                        <p:attrNameLst>
-                                          <p:attrName>ppt_y</p:attrName>
-                                        </p:attrNameLst>
-                                      </p:cBhvr>
-                                      <p:tavLst>
-                                        <p:tav tm="0">
-                                          <p:val>
-                                            <p:strVal val="1+#ppt_h/2"/>
-                                          </p:val>
-                                        </p:tav>
-                                        <p:tav tm="100000">
-                                          <p:val>
-                                            <p:strVal val="#ppt_y"/>
-                                          </p:val>
-                                        </p:tav>
-                                      </p:tavLst>
-                                    </p:anim>
-                                  </p:childTnLst>
-                                </p:cTn>
-                              </p:par>
-                            </p:childTnLst>
-                          </p:cTn>
-                        </p:par>
-                      </p:childTnLst>
-                    </p:cTn>
-                  </p:par>
-                  <p:par>
-                    <p:cTn id="9" fill="hold">
-                      <p:stCondLst>
-                        <p:cond delay="indefinite"/>
-                      </p:stCondLst>
-                      <p:childTnLst>
-                        <p:par>
-                          <p:cTn id="10" fill="hold">
-                            <p:stCondLst>
-                              <p:cond delay="0"/>
-                            </p:stCondLst>
-                            <p:childTnLst>
-                              <p:par>
-                                <p:cTn id="11" presetID="2" presetClass="entr" presetSubtype="4" fill="hold" grpId="0" nodeType="clickEffect">
-                                  <p:stCondLst>
-                                    <p:cond delay="0"/>
-                                  </p:stCondLst>
-                                  <p:childTnLst>
-                                    <p:set>
-                                      <p:cBhvr>
-                                        <p:cTn id="12" dur="1" fill="hold">
-                                          <p:stCondLst>
-                                            <p:cond delay="0"/>
-                                          </p:stCondLst>
-                                        </p:cTn>
-                                        <p:tgtEl>
-                                          <p:spTgt spid="10"/>
-                                        </p:tgtEl>
-                                        <p:attrNameLst>
-                                          <p:attrName>style.visibility</p:attrName>
-                                        </p:attrNameLst>
-                                      </p:cBhvr>
-                                      <p:to>
-                                        <p:strVal val="visible"/>
-                                      </p:to>
-                                    </p:set>
-                                    <p:anim calcmode="lin" valueType="num">
-                                      <p:cBhvr additive="base">
-                                        <p:cTn id="13" dur="250" fill="hold"/>
-                                        <p:tgtEl>
-                                          <p:spTgt spid="10"/>
-                                        </p:tgtEl>
-                                        <p:attrNameLst>
-                                          <p:attrName>ppt_x</p:attrName>
-                                        </p:attrNameLst>
-                                      </p:cBhvr>
-                                      <p:tavLst>
-                                        <p:tav tm="0">
-                                          <p:val>
-                                            <p:strVal val="#ppt_x"/>
-                                          </p:val>
-                                        </p:tav>
-                                        <p:tav tm="100000">
-                                          <p:val>
-                                            <p:strVal val="#ppt_x"/>
-                                          </p:val>
-                                        </p:tav>
-                                      </p:tavLst>
-                                    </p:anim>
-                                    <p:anim calcmode="lin" valueType="num">
-                                      <p:cBhvr additive="base">
-                                        <p:cTn id="14" dur="250" fill="hold"/>
-                                        <p:tgtEl>
-                                          <p:spTgt spid="10"/>
-                                        </p:tgtEl>
-                                        <p:attrNameLst>
-                                          <p:attrName>ppt_y</p:attrName>
-                                        </p:attrNameLst>
-                                      </p:cBhvr>
-                                      <p:tavLst>
-                                        <p:tav tm="0">
-                                          <p:val>
-                                            <p:strVal val="1+#ppt_h/2"/>
-                                          </p:val>
-                                        </p:tav>
-                                        <p:tav tm="100000">
-                                          <p:val>
-                                            <p:strVal val="#ppt_y"/>
-                                          </p:val>
-                                        </p:tav>
-                                      </p:tavLst>
-                                    </p:anim>
-                                  </p:childTnLst>
-                                </p:cTn>
-                              </p:par>
-                            </p:childTnLst>
-                          </p:cTn>
-                        </p:par>
-                      </p:childTnLst>
-                    </p:cTn>
-                  </p:par>
-                  <p:par>
-                    <p:cTn id="15" fill="hold">
-                      <p:stCondLst>
-                        <p:cond delay="indefinite"/>
-                      </p:stCondLst>
-                      <p:childTnLst>
-                        <p:par>
-                          <p:cTn id="16" fill="hold">
-                            <p:stCondLst>
-                              <p:cond delay="0"/>
-                            </p:stCondLst>
-                            <p:childTnLst>
-                              <p:par>
-                                <p:cTn id="17" presetID="2" presetClass="entr" presetSubtype="4" fill="hold" grpId="0" nodeType="clickEffect">
-                                  <p:stCondLst>
-                                    <p:cond delay="0"/>
-                                  </p:stCondLst>
-                                  <p:childTnLst>
-                                    <p:set>
-                                      <p:cBhvr>
-                                        <p:cTn id="18" dur="1" fill="hold">
-                                          <p:stCondLst>
-                                            <p:cond delay="0"/>
-                                          </p:stCondLst>
-                                        </p:cTn>
-                                        <p:tgtEl>
-                                          <p:spTgt spid="11"/>
-                                        </p:tgtEl>
-                                        <p:attrNameLst>
-                                          <p:attrName>style.visibility</p:attrName>
-                                        </p:attrNameLst>
-                                      </p:cBhvr>
-                                      <p:to>
-                                        <p:strVal val="visible"/>
-                                      </p:to>
-                                    </p:set>
-                                    <p:anim calcmode="lin" valueType="num">
-                                      <p:cBhvr additive="base">
-                                        <p:cTn id="19" dur="250" fill="hold"/>
-                                        <p:tgtEl>
-                                          <p:spTgt spid="11"/>
-                                        </p:tgtEl>
-                                        <p:attrNameLst>
-                                          <p:attrName>ppt_x</p:attrName>
-                                        </p:attrNameLst>
-                                      </p:cBhvr>
-                                      <p:tavLst>
-                                        <p:tav tm="0">
-                                          <p:val>
-                                            <p:strVal val="#ppt_x"/>
-                                          </p:val>
-                                        </p:tav>
-                                        <p:tav tm="100000">
-                                          <p:val>
-                                            <p:strVal val="#ppt_x"/>
-                                          </p:val>
-                                        </p:tav>
-                                      </p:tavLst>
-                                    </p:anim>
-                                    <p:anim calcmode="lin" valueType="num">
-                                      <p:cBhvr additive="base">
-                                        <p:cTn id="20" dur="250" fill="hold"/>
-                                        <p:tgtEl>
-                                          <p:spTgt spid="11"/>
-                                        </p:tgtEl>
-                                        <p:attrNameLst>
-                                          <p:attrName>ppt_y</p:attrName>
-                                        </p:attrNameLst>
-                                      </p:cBhvr>
-                                      <p:tavLst>
-                                        <p:tav tm="0">
-                                          <p:val>
-                                            <p:strVal val="1+#ppt_h/2"/>
-                                          </p:val>
-                                        </p:tav>
-                                        <p:tav tm="100000">
-                                          <p:val>
-                                            <p:strVal val="#ppt_y"/>
-                                          </p:val>
-                                        </p:tav>
-                                      </p:tavLst>
-                                    </p:anim>
-                                  </p:childTnLst>
-                                </p:cTn>
-                              </p:par>
-                            </p:childTnLst>
-                          </p:cTn>
-                        </p:par>
-                      </p:childTnLst>
-                    </p:cTn>
-                  </p:par>
-                </p:childTnLst>
-              </p:cTn>
-              <p:prevCondLst>
-                <p:cond evt="onPrev" delay="0">
-                  <p:tgtEl>
-                    <p:sldTgt/>
-                  </p:tgtEl>
-                </p:cond>
-              </p:prevCondLst>
-              <p:nextCondLst>
-                <p:cond evt="onNext" delay="0">
-                  <p:tgtEl>
-                    <p:sldTgt/>
-                  </p:tgtEl>
-                </p:cond>
-              </p:nextCondLst>
-            </p:seq>
-          </p:childTnLst>
-        </p:cTn>
-      </p:par>
-    </p:tnLst>
-    <p:bldLst>
-      <p:bldP spid="8" grpId="0"/>
-      <p:bldP spid="10" grpId="0"/>
-      <p:bldP spid="11" grpId="0"/>
-    </p:bldLst>
-  </p:timing>
-</p:sld>
-</file>
-
-<file path=ppt/slides/slide6.xml><?xml version="1.0" encoding="utf-8"?>
-<p:sld xmlns:a="http://schemas.openxmlformats.org/drawingml/2006/main" xmlns:r="http://schemas.openxmlformats.org/officeDocument/2006/relationships" xmlns:p="http://schemas.openxmlformats.org/presentationml/2006/main">
-  <p:cSld>
-    <p:spTree>
-      <p:nvGrpSpPr>
-        <p:cNvPr id="1" name=""/>
-        <p:cNvGrpSpPr/>
-        <p:nvPr/>
-      </p:nvGrpSpPr>
-      <p:grpSpPr>
-        <a:xfrm>
-          <a:off x="0" y="0"/>
-          <a:ext cx="0" cy="0"/>
-          <a:chOff x="0" y="0"/>
-          <a:chExt cx="0" cy="0"/>
-        </a:xfrm>
-      </p:grpSpPr>
-      <p:graphicFrame>
-        <p:nvGraphicFramePr>
-          <p:cNvPr id="9" name="Tabelle 8">
-            <a:extLst>
-              <a:ext uri="{FF2B5EF4-FFF2-40B4-BE49-F238E27FC236}">
-                <a16:creationId xmlns:a16="http://schemas.microsoft.com/office/drawing/2014/main" id="{03D14FB9-213B-4A94-A9C5-D32CDA965B60}"/>
-              </a:ext>
-            </a:extLst>
-          </p:cNvPr>
-          <p:cNvGraphicFramePr>
-            <a:graphicFrameLocks noGrp="1"/>
-          </p:cNvGraphicFramePr>
-          <p:nvPr>
-            <p:extLst>
-              <p:ext uri="{D42A27DB-BD31-4B8C-83A1-F6EECF244321}">
-                <p14:modId xmlns:p14="http://schemas.microsoft.com/office/powerpoint/2010/main" val="3266212594"/>
-              </p:ext>
-            </p:extLst>
-          </p:nvPr>
-        </p:nvGraphicFramePr>
-        <p:xfrm>
-          <a:off x="209293" y="1067123"/>
-          <a:ext cx="11739654" cy="4504118"/>
-        </p:xfrm>
-        <a:graphic>
-          <a:graphicData uri="http://schemas.openxmlformats.org/drawingml/2006/table">
-            <a:tbl>
-              <a:tblPr firstRow="1" bandRow="1">
-                <a:tableStyleId>{5C22544A-7EE6-4342-B048-85BDC9FD1C3A}</a:tableStyleId>
-              </a:tblPr>
-              <a:tblGrid>
-                <a:gridCol w="3913218">
-                  <a:extLst>
-                    <a:ext uri="{9D8B030D-6E8A-4147-A177-3AD203B41FA5}">
-                      <a16:colId xmlns:a16="http://schemas.microsoft.com/office/drawing/2014/main" val="2418642178"/>
-                    </a:ext>
-                  </a:extLst>
-                </a:gridCol>
-                <a:gridCol w="3913218">
-                  <a:extLst>
-                    <a:ext uri="{9D8B030D-6E8A-4147-A177-3AD203B41FA5}">
-                      <a16:colId xmlns:a16="http://schemas.microsoft.com/office/drawing/2014/main" val="576198228"/>
-                    </a:ext>
-                  </a:extLst>
-                </a:gridCol>
-                <a:gridCol w="3913218">
-                  <a:extLst>
-                    <a:ext uri="{9D8B030D-6E8A-4147-A177-3AD203B41FA5}">
-                      <a16:colId xmlns:a16="http://schemas.microsoft.com/office/drawing/2014/main" val="924655872"/>
-                    </a:ext>
-                  </a:extLst>
-                </a:gridCol>
-              </a:tblGrid>
-              <a:tr h="1218040">
-                <a:tc>
-                  <a:txBody>
-                    <a:bodyPr/>
-                    <a:lstStyle/>
-                    <a:p>
-                      <a:pPr algn="ctr"/>
-                      <a:r>
-                        <a:rPr lang="de-DE" sz="4000" dirty="0"/>
-                        <a:t>Person A</a:t>
-                      </a:r>
-                    </a:p>
-                  </a:txBody>
-                  <a:tcPr/>
-                </a:tc>
-                <a:tc>
-                  <a:txBody>
-                    <a:bodyPr/>
-                    <a:lstStyle/>
-                    <a:p>
-                      <a:pPr algn="ctr"/>
-                      <a:r>
-                        <a:rPr lang="de-DE" sz="4000" dirty="0"/>
-                        <a:t>Person B</a:t>
-                      </a:r>
-                    </a:p>
-                  </a:txBody>
-                  <a:tcPr/>
-                </a:tc>
-                <a:tc>
-                  <a:txBody>
-                    <a:bodyPr/>
-                    <a:lstStyle/>
-                    <a:p>
-                      <a:pPr algn="ctr"/>
-                      <a:r>
-                        <a:rPr lang="de-DE" sz="4000" dirty="0"/>
-                        <a:t>Person D</a:t>
-                      </a:r>
-                    </a:p>
-                  </a:txBody>
-                  <a:tcPr/>
-                </a:tc>
-                <a:extLst>
-                  <a:ext uri="{0D108BD9-81ED-4DB2-BD59-A6C34878D82A}">
-                    <a16:rowId xmlns:a16="http://schemas.microsoft.com/office/drawing/2014/main" val="1278911543"/>
-                  </a:ext>
-                </a:extLst>
-              </a:tr>
-              <a:tr h="3286078">
-                <a:tc>
-                  <a:txBody>
-                    <a:bodyPr/>
-                    <a:lstStyle/>
-                    <a:p>
-                      <a:pPr algn="ctr"/>
-                      <a:endParaRPr lang="de-DE" sz="2800" dirty="0"/>
-                    </a:p>
-                  </a:txBody>
-                  <a:tcPr/>
-                </a:tc>
-                <a:tc>
-                  <a:txBody>
-                    <a:bodyPr/>
-                    <a:lstStyle/>
-                    <a:p>
-                      <a:pPr algn="ctr"/>
-                      <a:endParaRPr lang="de-DE" dirty="0"/>
-                    </a:p>
-                  </a:txBody>
-                  <a:tcPr/>
-                </a:tc>
-                <a:tc>
-                  <a:txBody>
-                    <a:bodyPr/>
-                    <a:lstStyle/>
-                    <a:p>
-                      <a:pPr algn="ctr"/>
-                      <a:endParaRPr lang="de-DE" dirty="0"/>
-                    </a:p>
-                  </a:txBody>
-                  <a:tcPr/>
-                </a:tc>
-                <a:extLst>
-                  <a:ext uri="{0D108BD9-81ED-4DB2-BD59-A6C34878D82A}">
-                    <a16:rowId xmlns:a16="http://schemas.microsoft.com/office/drawing/2014/main" val="4198354200"/>
-                  </a:ext>
-                </a:extLst>
-              </a:tr>
-            </a:tbl>
-          </a:graphicData>
-        </a:graphic>
-      </p:graphicFrame>
-      <p:sp>
-        <p:nvSpPr>
-          <p:cNvPr id="10" name="Textfeld 9">
-            <a:extLst>
-              <a:ext uri="{FF2B5EF4-FFF2-40B4-BE49-F238E27FC236}">
-                <a16:creationId xmlns:a16="http://schemas.microsoft.com/office/drawing/2014/main" id="{ECB736A4-6414-4736-AFC4-E07DEBBD3690}"/>
-              </a:ext>
-            </a:extLst>
-          </p:cNvPr>
-          <p:cNvSpPr txBox="1"/>
-          <p:nvPr/>
-        </p:nvSpPr>
-        <p:spPr>
-          <a:xfrm>
-            <a:off x="4393272" y="2505670"/>
-            <a:ext cx="3691106" cy="3323987"/>
-          </a:xfrm>
-          <a:prstGeom prst="rect">
-            <a:avLst/>
-          </a:prstGeom>
-          <a:noFill/>
-        </p:spPr>
-        <p:txBody>
-          <a:bodyPr wrap="square" rtlCol="0">
-            <a:spAutoFit/>
-          </a:bodyPr>
-          <a:lstStyle/>
-          <a:p>
-            <a:r>
-              <a:rPr lang="de-DE" sz="4800" dirty="0"/>
-              <a:t>meldet sich schnipsend und stellt Frage</a:t>
-            </a:r>
-          </a:p>
-          <a:p>
-            <a:endParaRPr lang="de-DE" dirty="0"/>
-          </a:p>
-        </p:txBody>
-      </p:sp>
-      <p:sp>
-        <p:nvSpPr>
-          <p:cNvPr id="2" name="Textfeld 1">
-            <a:extLst>
-              <a:ext uri="{FF2B5EF4-FFF2-40B4-BE49-F238E27FC236}">
-                <a16:creationId xmlns:a16="http://schemas.microsoft.com/office/drawing/2014/main" id="{66481C0A-9CA7-4557-93EF-2E86A2973C59}"/>
-              </a:ext>
-            </a:extLst>
-          </p:cNvPr>
-          <p:cNvSpPr txBox="1"/>
-          <p:nvPr/>
-        </p:nvSpPr>
-        <p:spPr>
-          <a:xfrm>
-            <a:off x="9697730" y="5883770"/>
-            <a:ext cx="2251217" cy="646331"/>
-          </a:xfrm>
-          <a:prstGeom prst="rect">
-            <a:avLst/>
-          </a:prstGeom>
-          <a:noFill/>
-        </p:spPr>
-        <p:txBody>
-          <a:bodyPr wrap="square" rtlCol="0">
-            <a:spAutoFit/>
-          </a:bodyPr>
-          <a:lstStyle/>
-          <a:p>
-            <a:r>
-              <a:rPr lang="de-DE" dirty="0"/>
-              <a:t>Minute 00:04 – 00:07	</a:t>
-            </a:r>
-          </a:p>
-        </p:txBody>
-      </p:sp>
-      <p:sp>
-        <p:nvSpPr>
-          <p:cNvPr id="7" name="Textfeld 6">
-            <a:extLst>
-              <a:ext uri="{FF2B5EF4-FFF2-40B4-BE49-F238E27FC236}">
-                <a16:creationId xmlns:a16="http://schemas.microsoft.com/office/drawing/2014/main" id="{43A487CB-6E74-4BF4-8FBC-39F5E714C021}"/>
-              </a:ext>
-            </a:extLst>
-          </p:cNvPr>
-          <p:cNvSpPr txBox="1"/>
-          <p:nvPr/>
-        </p:nvSpPr>
-        <p:spPr>
-          <a:xfrm>
-            <a:off x="454350" y="2598003"/>
-            <a:ext cx="3478490" cy="2308324"/>
-          </a:xfrm>
-          <a:prstGeom prst="rect">
-            <a:avLst/>
-          </a:prstGeom>
-          <a:noFill/>
-        </p:spPr>
-        <p:txBody>
-          <a:bodyPr wrap="square" rtlCol="0">
-            <a:spAutoFit/>
-          </a:bodyPr>
-          <a:lstStyle/>
-          <a:p>
-            <a:r>
-              <a:rPr lang="de-DE" sz="4800" dirty="0"/>
-              <a:t>holt Handy heraus und schaut drauf</a:t>
-            </a:r>
-          </a:p>
-        </p:txBody>
-      </p:sp>
-      <p:sp>
-        <p:nvSpPr>
-          <p:cNvPr id="8" name="Textfeld 7">
-            <a:extLst>
-              <a:ext uri="{FF2B5EF4-FFF2-40B4-BE49-F238E27FC236}">
-                <a16:creationId xmlns:a16="http://schemas.microsoft.com/office/drawing/2014/main" id="{DC04480B-89F9-46CE-80FA-CFD1AAECDBE3}"/>
-              </a:ext>
-            </a:extLst>
-          </p:cNvPr>
-          <p:cNvSpPr txBox="1"/>
-          <p:nvPr/>
-        </p:nvSpPr>
-        <p:spPr>
-          <a:xfrm>
-            <a:off x="8310054" y="2598003"/>
-            <a:ext cx="3559532" cy="2585323"/>
-          </a:xfrm>
-          <a:prstGeom prst="rect">
-            <a:avLst/>
-          </a:prstGeom>
-          <a:noFill/>
-        </p:spPr>
-        <p:txBody>
-          <a:bodyPr wrap="square" rtlCol="0">
-            <a:spAutoFit/>
-          </a:bodyPr>
-          <a:lstStyle/>
-          <a:p>
-            <a:r>
-              <a:rPr lang="de-DE" sz="4800" dirty="0"/>
-              <a:t>trommelt mit Händen auf dem Tisch</a:t>
-            </a:r>
-          </a:p>
-          <a:p>
-            <a:endParaRPr lang="de-DE" dirty="0"/>
-          </a:p>
-        </p:txBody>
-      </p:sp>
-    </p:spTree>
-    <p:extLst>
-      <p:ext uri="{BB962C8B-B14F-4D97-AF65-F5344CB8AC3E}">
-        <p14:creationId xmlns:p14="http://schemas.microsoft.com/office/powerpoint/2010/main" val="480364169"/>
-      </p:ext>
-    </p:extLst>
-  </p:cSld>
-  <p:clrMapOvr>
-    <a:masterClrMapping/>
-  </p:clrMapOvr>
-  <p:timing>
-    <p:tnLst>
-      <p:par>
-        <p:cTn id="1" dur="indefinite" restart="never" nodeType="tmRoot">
-          <p:childTnLst>
-            <p:seq concurrent="1" nextAc="seek">
-              <p:cTn id="2" dur="indefinite" nodeType="mainSeq">
-                <p:childTnLst>
-                  <p:par>
-                    <p:cTn id="3" fill="hold">
-                      <p:stCondLst>
-                        <p:cond delay="indefinite"/>
-                      </p:stCondLst>
-                      <p:childTnLst>
-                        <p:par>
-                          <p:cTn id="4" fill="hold">
-                            <p:stCondLst>
-                              <p:cond delay="0"/>
-                            </p:stCondLst>
-                            <p:childTnLst>
-                              <p:par>
-                                <p:cTn id="5" presetID="1" presetClass="entr" presetSubtype="0" fill="hold" grpId="0" nodeType="clickEffect">
-                                  <p:stCondLst>
-                                    <p:cond delay="0"/>
-                                  </p:stCondLst>
-                                  <p:childTnLst>
-                                    <p:set>
-                                      <p:cBhvr>
-                                        <p:cTn id="6" dur="1" fill="hold">
-                                          <p:stCondLst>
-                                            <p:cond delay="0"/>
-                                          </p:stCondLst>
-                                        </p:cTn>
-                                        <p:tgtEl>
-                                          <p:spTgt spid="7"/>
-                                        </p:tgtEl>
-                                        <p:attrNameLst>
-                                          <p:attrName>style.visibility</p:attrName>
-                                        </p:attrNameLst>
-                                      </p:cBhvr>
-                                      <p:to>
-                                        <p:strVal val="visible"/>
-                                      </p:to>
-                                    </p:set>
-                                  </p:childTnLst>
-                                </p:cTn>
-                              </p:par>
-                            </p:childTnLst>
-                          </p:cTn>
-                        </p:par>
-                      </p:childTnLst>
-                    </p:cTn>
-                  </p:par>
-                  <p:par>
-                    <p:cTn id="7" fill="hold">
-                      <p:stCondLst>
-                        <p:cond delay="indefinite"/>
-                      </p:stCondLst>
-                      <p:childTnLst>
-                        <p:par>
-                          <p:cTn id="8" fill="hold">
-                            <p:stCondLst>
-                              <p:cond delay="0"/>
-                            </p:stCondLst>
-                            <p:childTnLst>
-                              <p:par>
-                                <p:cTn id="9" presetID="1" presetClass="entr" presetSubtype="0" fill="hold" grpId="0" nodeType="clickEffect">
-                                  <p:stCondLst>
-                                    <p:cond delay="0"/>
-                                  </p:stCondLst>
-                                  <p:childTnLst>
-                                    <p:set>
-                                      <p:cBhvr>
-                                        <p:cTn id="10" dur="1" fill="hold">
-                                          <p:stCondLst>
-                                            <p:cond delay="0"/>
-                                          </p:stCondLst>
-                                        </p:cTn>
-                                        <p:tgtEl>
-                                          <p:spTgt spid="10"/>
-                                        </p:tgtEl>
-                                        <p:attrNameLst>
-                                          <p:attrName>style.visibility</p:attrName>
-                                        </p:attrNameLst>
-                                      </p:cBhvr>
-                                      <p:to>
-                                        <p:strVal val="visible"/>
-                                      </p:to>
-                                    </p:set>
-                                  </p:childTnLst>
-                                </p:cTn>
-                              </p:par>
-                            </p:childTnLst>
-                          </p:cTn>
-                        </p:par>
-                      </p:childTnLst>
-                    </p:cTn>
-                  </p:par>
-                  <p:par>
-                    <p:cTn id="11" fill="hold">
-                      <p:stCondLst>
-                        <p:cond delay="indefinite"/>
-                      </p:stCondLst>
-                      <p:childTnLst>
-                        <p:par>
-                          <p:cTn id="12" fill="hold">
-                            <p:stCondLst>
-                              <p:cond delay="0"/>
-                            </p:stCondLst>
-                            <p:childTnLst>
-                              <p:par>
-                                <p:cTn id="13" presetID="1" presetClass="entr" presetSubtype="0" fill="hold" grpId="0" nodeType="clickEffect">
-                                  <p:stCondLst>
-                                    <p:cond delay="0"/>
-                                  </p:stCondLst>
-                                  <p:childTnLst>
-                                    <p:set>
-                                      <p:cBhvr>
-                                        <p:cTn id="14" dur="1" fill="hold">
-                                          <p:stCondLst>
-                                            <p:cond delay="0"/>
-                                          </p:stCondLst>
-                                        </p:cTn>
-                                        <p:tgtEl>
-                                          <p:spTgt spid="8"/>
-                                        </p:tgtEl>
-                                        <p:attrNameLst>
-                                          <p:attrName>style.visibility</p:attrName>
-                                        </p:attrNameLst>
-                                      </p:cBhvr>
-                                      <p:to>
-                                        <p:strVal val="visible"/>
-                                      </p:to>
-                                    </p:set>
-                                  </p:childTnLst>
-                                </p:cTn>
-                              </p:par>
-                            </p:childTnLst>
-                          </p:cTn>
-                        </p:par>
-                      </p:childTnLst>
-                    </p:cTn>
-                  </p:par>
-                </p:childTnLst>
-              </p:cTn>
-              <p:prevCondLst>
-                <p:cond evt="onPrev" delay="0">
-                  <p:tgtEl>
-                    <p:sldTgt/>
-                  </p:tgtEl>
-                </p:cond>
-              </p:prevCondLst>
-              <p:nextCondLst>
-                <p:cond evt="onNext" delay="0">
-                  <p:tgtEl>
-                    <p:sldTgt/>
-                  </p:tgtEl>
-                </p:cond>
-              </p:nextCondLst>
-            </p:seq>
-          </p:childTnLst>
-        </p:cTn>
-      </p:par>
-    </p:tnLst>
-    <p:bldLst>
-      <p:bldP spid="10" grpId="0"/>
-      <p:bldP spid="7" grpId="0"/>
-      <p:bldP spid="8" grpId="0"/>
-    </p:bldLst>
-  </p:timing>
-</p:sld>
-</file>
-
-<file path=ppt/slides/slide7.xml><?xml version="1.0" encoding="utf-8"?>
-<p:sld xmlns:a="http://schemas.openxmlformats.org/drawingml/2006/main" xmlns:r="http://schemas.openxmlformats.org/officeDocument/2006/relationships" xmlns:p="http://schemas.openxmlformats.org/presentationml/2006/main">
-  <p:cSld>
-    <p:spTree>
-      <p:nvGrpSpPr>
-        <p:cNvPr id="1" name=""/>
-        <p:cNvGrpSpPr/>
-        <p:nvPr/>
-      </p:nvGrpSpPr>
-      <p:grpSpPr>
-        <a:xfrm>
-          <a:off x="0" y="0"/>
-          <a:ext cx="0" cy="0"/>
-          <a:chOff x="0" y="0"/>
-          <a:chExt cx="0" cy="0"/>
-        </a:xfrm>
-      </p:grpSpPr>
-      <p:graphicFrame>
-        <p:nvGraphicFramePr>
-          <p:cNvPr id="9" name="Tabelle 8">
-            <a:extLst>
-              <a:ext uri="{FF2B5EF4-FFF2-40B4-BE49-F238E27FC236}">
-                <a16:creationId xmlns:a16="http://schemas.microsoft.com/office/drawing/2014/main" id="{03D14FB9-213B-4A94-A9C5-D32CDA965B60}"/>
-              </a:ext>
-            </a:extLst>
-          </p:cNvPr>
-          <p:cNvGraphicFramePr>
-            <a:graphicFrameLocks noGrp="1"/>
-          </p:cNvGraphicFramePr>
-          <p:nvPr>
-            <p:extLst>
-              <p:ext uri="{D42A27DB-BD31-4B8C-83A1-F6EECF244321}">
-                <p14:modId xmlns:p14="http://schemas.microsoft.com/office/powerpoint/2010/main" val="416973949"/>
-              </p:ext>
-            </p:extLst>
-          </p:nvPr>
-        </p:nvGraphicFramePr>
-        <p:xfrm>
-          <a:off x="254524" y="1067122"/>
-          <a:ext cx="11694423" cy="4554426"/>
-        </p:xfrm>
-        <a:graphic>
-          <a:graphicData uri="http://schemas.openxmlformats.org/drawingml/2006/table">
-            <a:tbl>
-              <a:tblPr firstRow="1" bandRow="1">
-                <a:tableStyleId>{5C22544A-7EE6-4342-B048-85BDC9FD1C3A}</a:tableStyleId>
-              </a:tblPr>
-              <a:tblGrid>
-                <a:gridCol w="3898141">
-                  <a:extLst>
-                    <a:ext uri="{9D8B030D-6E8A-4147-A177-3AD203B41FA5}">
-                      <a16:colId xmlns:a16="http://schemas.microsoft.com/office/drawing/2014/main" val="2418642178"/>
-                    </a:ext>
-                  </a:extLst>
-                </a:gridCol>
-                <a:gridCol w="3898141">
-                  <a:extLst>
-                    <a:ext uri="{9D8B030D-6E8A-4147-A177-3AD203B41FA5}">
-                      <a16:colId xmlns:a16="http://schemas.microsoft.com/office/drawing/2014/main" val="576198228"/>
-                    </a:ext>
-                  </a:extLst>
-                </a:gridCol>
-                <a:gridCol w="3898141">
-                  <a:extLst>
-                    <a:ext uri="{9D8B030D-6E8A-4147-A177-3AD203B41FA5}">
-                      <a16:colId xmlns:a16="http://schemas.microsoft.com/office/drawing/2014/main" val="924655872"/>
-                    </a:ext>
-                  </a:extLst>
-                </a:gridCol>
-              </a:tblGrid>
-              <a:tr h="1231645">
-                <a:tc>
-                  <a:txBody>
-                    <a:bodyPr/>
-                    <a:lstStyle/>
-                    <a:p>
-                      <a:pPr algn="ctr"/>
-                      <a:r>
-                        <a:rPr lang="de-DE" sz="4000" dirty="0"/>
-                        <a:t>Person A</a:t>
-                      </a:r>
-                    </a:p>
-                  </a:txBody>
-                  <a:tcPr/>
-                </a:tc>
-                <a:tc>
-                  <a:txBody>
-                    <a:bodyPr/>
-                    <a:lstStyle/>
-                    <a:p>
-                      <a:pPr algn="ctr"/>
-                      <a:r>
-                        <a:rPr lang="de-DE" sz="4000"/>
-                        <a:t>Person B</a:t>
-                      </a:r>
-                      <a:endParaRPr lang="de-DE" sz="4000" dirty="0"/>
-                    </a:p>
-                  </a:txBody>
-                  <a:tcPr/>
-                </a:tc>
-                <a:tc>
-                  <a:txBody>
-                    <a:bodyPr/>
-                    <a:lstStyle/>
-                    <a:p>
-                      <a:pPr algn="ctr"/>
-                      <a:r>
-                        <a:rPr lang="de-DE" sz="4000" dirty="0"/>
-                        <a:t>Person D</a:t>
-                      </a:r>
-                    </a:p>
-                  </a:txBody>
-                  <a:tcPr/>
-                </a:tc>
-                <a:extLst>
-                  <a:ext uri="{0D108BD9-81ED-4DB2-BD59-A6C34878D82A}">
-                    <a16:rowId xmlns:a16="http://schemas.microsoft.com/office/drawing/2014/main" val="1278911543"/>
-                  </a:ext>
-                </a:extLst>
-              </a:tr>
-              <a:tr h="3322781">
-                <a:tc>
-                  <a:txBody>
-                    <a:bodyPr/>
-                    <a:lstStyle/>
-                    <a:p>
-                      <a:pPr algn="ctr"/>
-                      <a:endParaRPr lang="de-DE" sz="2800" dirty="0"/>
-                    </a:p>
-                  </a:txBody>
-                  <a:tcPr/>
-                </a:tc>
-                <a:tc>
-                  <a:txBody>
-                    <a:bodyPr/>
-                    <a:lstStyle/>
-                    <a:p>
-                      <a:pPr algn="ctr"/>
-                      <a:endParaRPr lang="de-DE" dirty="0"/>
-                    </a:p>
-                  </a:txBody>
-                  <a:tcPr/>
-                </a:tc>
-                <a:tc>
-                  <a:txBody>
-                    <a:bodyPr/>
-                    <a:lstStyle/>
-                    <a:p>
-                      <a:pPr algn="ctr"/>
-                      <a:endParaRPr lang="de-DE" dirty="0"/>
-                    </a:p>
-                  </a:txBody>
-                  <a:tcPr/>
-                </a:tc>
-                <a:extLst>
-                  <a:ext uri="{0D108BD9-81ED-4DB2-BD59-A6C34878D82A}">
-                    <a16:rowId xmlns:a16="http://schemas.microsoft.com/office/drawing/2014/main" val="4198354200"/>
-                  </a:ext>
-                </a:extLst>
-              </a:tr>
-            </a:tbl>
-          </a:graphicData>
-        </a:graphic>
-      </p:graphicFrame>
-      <p:sp>
-        <p:nvSpPr>
-          <p:cNvPr id="12" name="Textfeld 11">
-            <a:extLst>
-              <a:ext uri="{FF2B5EF4-FFF2-40B4-BE49-F238E27FC236}">
-                <a16:creationId xmlns:a16="http://schemas.microsoft.com/office/drawing/2014/main" id="{D9CA8BF7-66D4-4E8C-AF2D-40B2E1A475F0}"/>
-              </a:ext>
-            </a:extLst>
-          </p:cNvPr>
-          <p:cNvSpPr txBox="1"/>
-          <p:nvPr/>
-        </p:nvSpPr>
-        <p:spPr>
-          <a:xfrm>
-            <a:off x="8251795" y="2705725"/>
-            <a:ext cx="3355781" cy="1569660"/>
-          </a:xfrm>
-          <a:prstGeom prst="rect">
-            <a:avLst/>
-          </a:prstGeom>
-          <a:noFill/>
-        </p:spPr>
-        <p:txBody>
-          <a:bodyPr wrap="square" rtlCol="0">
-            <a:spAutoFit/>
-          </a:bodyPr>
-          <a:lstStyle/>
-          <a:p>
-            <a:r>
-              <a:rPr lang="de-DE" sz="4800" dirty="0"/>
-              <a:t>schwatzt mit Nachbar*in</a:t>
-            </a:r>
-          </a:p>
-        </p:txBody>
-      </p:sp>
-      <p:sp>
-        <p:nvSpPr>
-          <p:cNvPr id="2" name="Textfeld 1">
-            <a:extLst>
-              <a:ext uri="{FF2B5EF4-FFF2-40B4-BE49-F238E27FC236}">
-                <a16:creationId xmlns:a16="http://schemas.microsoft.com/office/drawing/2014/main" id="{66481C0A-9CA7-4557-93EF-2E86A2973C59}"/>
-              </a:ext>
-            </a:extLst>
-          </p:cNvPr>
-          <p:cNvSpPr txBox="1"/>
-          <p:nvPr/>
-        </p:nvSpPr>
-        <p:spPr>
-          <a:xfrm>
-            <a:off x="9697730" y="5883770"/>
-            <a:ext cx="2251217" cy="646331"/>
-          </a:xfrm>
-          <a:prstGeom prst="rect">
-            <a:avLst/>
-          </a:prstGeom>
-          <a:noFill/>
-        </p:spPr>
-        <p:txBody>
-          <a:bodyPr wrap="square" rtlCol="0">
-            <a:spAutoFit/>
-          </a:bodyPr>
-          <a:lstStyle/>
-          <a:p>
-            <a:r>
-              <a:rPr lang="de-DE"/>
-              <a:t>Minute 00:07 – 00:10</a:t>
-            </a:r>
-            <a:r>
-              <a:rPr lang="de-DE" dirty="0"/>
-              <a:t>	</a:t>
-            </a:r>
-          </a:p>
-        </p:txBody>
-      </p:sp>
-      <p:sp>
-        <p:nvSpPr>
-          <p:cNvPr id="7" name="Textfeld 6">
-            <a:extLst>
-              <a:ext uri="{FF2B5EF4-FFF2-40B4-BE49-F238E27FC236}">
-                <a16:creationId xmlns:a16="http://schemas.microsoft.com/office/drawing/2014/main" id="{BD4DBE08-8792-420E-B217-90111EDE5794}"/>
-              </a:ext>
-            </a:extLst>
-          </p:cNvPr>
-          <p:cNvSpPr txBox="1"/>
-          <p:nvPr/>
-        </p:nvSpPr>
-        <p:spPr>
-          <a:xfrm>
-            <a:off x="461716" y="2574560"/>
-            <a:ext cx="3478490" cy="3046988"/>
-          </a:xfrm>
-          <a:prstGeom prst="rect">
-            <a:avLst/>
-          </a:prstGeom>
-          <a:noFill/>
-        </p:spPr>
-        <p:txBody>
-          <a:bodyPr wrap="square" rtlCol="0">
-            <a:spAutoFit/>
-          </a:bodyPr>
-          <a:lstStyle/>
-          <a:p>
-            <a:r>
-              <a:rPr lang="de-DE" sz="4800" dirty="0"/>
-              <a:t>steht in der Klasse auf und geht herum</a:t>
-            </a:r>
-          </a:p>
-        </p:txBody>
-      </p:sp>
-      <p:sp>
-        <p:nvSpPr>
-          <p:cNvPr id="8" name="Textfeld 7">
-            <a:extLst>
-              <a:ext uri="{FF2B5EF4-FFF2-40B4-BE49-F238E27FC236}">
-                <a16:creationId xmlns:a16="http://schemas.microsoft.com/office/drawing/2014/main" id="{2B8A82C1-4A63-4EEF-A921-D87459272439}"/>
-              </a:ext>
-            </a:extLst>
-          </p:cNvPr>
-          <p:cNvSpPr txBox="1"/>
-          <p:nvPr/>
-        </p:nvSpPr>
-        <p:spPr>
-          <a:xfrm>
-            <a:off x="4588795" y="2607322"/>
-            <a:ext cx="3355781" cy="2308324"/>
-          </a:xfrm>
-          <a:prstGeom prst="rect">
-            <a:avLst/>
-          </a:prstGeom>
-          <a:noFill/>
-        </p:spPr>
-        <p:txBody>
-          <a:bodyPr wrap="square" rtlCol="0">
-            <a:spAutoFit/>
-          </a:bodyPr>
-          <a:lstStyle/>
-          <a:p>
-            <a:r>
-              <a:rPr lang="de-DE" sz="4800" dirty="0"/>
-              <a:t>legt Kopf auf Bank und schläft</a:t>
-            </a:r>
-          </a:p>
-        </p:txBody>
-      </p:sp>
-    </p:spTree>
-    <p:extLst>
-      <p:ext uri="{BB962C8B-B14F-4D97-AF65-F5344CB8AC3E}">
-        <p14:creationId xmlns:p14="http://schemas.microsoft.com/office/powerpoint/2010/main" val="2830185697"/>
       </p:ext>
     </p:extLst>
   </p:cSld>
@@ -5811,7 +4693,7 @@
                                           </p:stCondLst>
                                         </p:cTn>
                                         <p:tgtEl>
-                                          <p:spTgt spid="12"/>
+                                          <p:spTgt spid="13"/>
                                         </p:tgtEl>
                                         <p:attrNameLst>
                                           <p:attrName>style.visibility</p:attrName>
@@ -5852,7 +4734,979 @@
       </p:par>
     </p:tnLst>
     <p:bldLst>
-      <p:bldP spid="12" grpId="0"/>
+      <p:bldP spid="13" grpId="0"/>
+      <p:bldP spid="7" grpId="0"/>
+      <p:bldP spid="8" grpId="0"/>
+    </p:bldLst>
+  </p:timing>
+</p:sld>
+</file>
+
+<file path=ppt/slides/slide6.xml><?xml version="1.0" encoding="utf-8"?>
+<p:sld xmlns:a="http://schemas.openxmlformats.org/drawingml/2006/main" xmlns:r="http://schemas.openxmlformats.org/officeDocument/2006/relationships" xmlns:p="http://schemas.openxmlformats.org/presentationml/2006/main">
+  <p:cSld>
+    <p:spTree>
+      <p:nvGrpSpPr>
+        <p:cNvPr id="1" name=""/>
+        <p:cNvGrpSpPr/>
+        <p:nvPr/>
+      </p:nvGrpSpPr>
+      <p:grpSpPr>
+        <a:xfrm>
+          <a:off x="0" y="0"/>
+          <a:ext cx="0" cy="0"/>
+          <a:chOff x="0" y="0"/>
+          <a:chExt cx="0" cy="0"/>
+        </a:xfrm>
+      </p:grpSpPr>
+      <p:graphicFrame>
+        <p:nvGraphicFramePr>
+          <p:cNvPr id="9" name="Tabelle 8">
+            <a:extLst>
+              <a:ext uri="{FF2B5EF4-FFF2-40B4-BE49-F238E27FC236}">
+                <a16:creationId xmlns:a16="http://schemas.microsoft.com/office/drawing/2014/main" id="{03D14FB9-213B-4A94-A9C5-D32CDA965B60}"/>
+              </a:ext>
+            </a:extLst>
+          </p:cNvPr>
+          <p:cNvGraphicFramePr>
+            <a:graphicFrameLocks noGrp="1"/>
+          </p:cNvGraphicFramePr>
+          <p:nvPr>
+            <p:extLst>
+              <p:ext uri="{D42A27DB-BD31-4B8C-83A1-F6EECF244321}">
+                <p14:modId xmlns:p14="http://schemas.microsoft.com/office/powerpoint/2010/main" val="3094503159"/>
+              </p:ext>
+            </p:extLst>
+          </p:nvPr>
+        </p:nvGraphicFramePr>
+        <p:xfrm>
+          <a:off x="245097" y="187941"/>
+          <a:ext cx="11703849" cy="5695830"/>
+        </p:xfrm>
+        <a:graphic>
+          <a:graphicData uri="http://schemas.openxmlformats.org/drawingml/2006/table">
+            <a:tbl>
+              <a:tblPr firstRow="1" bandRow="1">
+                <a:tableStyleId>{5C22544A-7EE6-4342-B048-85BDC9FD1C3A}</a:tableStyleId>
+              </a:tblPr>
+              <a:tblGrid>
+                <a:gridCol w="3901283">
+                  <a:extLst>
+                    <a:ext uri="{9D8B030D-6E8A-4147-A177-3AD203B41FA5}">
+                      <a16:colId xmlns:a16="http://schemas.microsoft.com/office/drawing/2014/main" val="2418642178"/>
+                    </a:ext>
+                  </a:extLst>
+                </a:gridCol>
+                <a:gridCol w="3901283">
+                  <a:extLst>
+                    <a:ext uri="{9D8B030D-6E8A-4147-A177-3AD203B41FA5}">
+                      <a16:colId xmlns:a16="http://schemas.microsoft.com/office/drawing/2014/main" val="576198228"/>
+                    </a:ext>
+                  </a:extLst>
+                </a:gridCol>
+                <a:gridCol w="3901283">
+                  <a:extLst>
+                    <a:ext uri="{9D8B030D-6E8A-4147-A177-3AD203B41FA5}">
+                      <a16:colId xmlns:a16="http://schemas.microsoft.com/office/drawing/2014/main" val="924655872"/>
+                    </a:ext>
+                  </a:extLst>
+                </a:gridCol>
+              </a:tblGrid>
+              <a:tr h="1540313">
+                <a:tc>
+                  <a:txBody>
+                    <a:bodyPr/>
+                    <a:lstStyle/>
+                    <a:p>
+                      <a:pPr algn="ctr"/>
+                      <a:r>
+                        <a:rPr lang="de-DE" sz="4800" dirty="0"/>
+                        <a:t>Person A</a:t>
+                      </a:r>
+                    </a:p>
+                  </a:txBody>
+                  <a:tcPr/>
+                </a:tc>
+                <a:tc>
+                  <a:txBody>
+                    <a:bodyPr/>
+                    <a:lstStyle/>
+                    <a:p>
+                      <a:pPr algn="ctr"/>
+                      <a:r>
+                        <a:rPr lang="de-DE" sz="4800" dirty="0"/>
+                        <a:t>Person B</a:t>
+                      </a:r>
+                    </a:p>
+                  </a:txBody>
+                  <a:tcPr/>
+                </a:tc>
+                <a:tc>
+                  <a:txBody>
+                    <a:bodyPr/>
+                    <a:lstStyle/>
+                    <a:p>
+                      <a:pPr algn="ctr"/>
+                      <a:r>
+                        <a:rPr lang="de-DE" sz="4800" dirty="0"/>
+                        <a:t>Person D</a:t>
+                      </a:r>
+                    </a:p>
+                  </a:txBody>
+                  <a:tcPr/>
+                </a:tc>
+                <a:extLst>
+                  <a:ext uri="{0D108BD9-81ED-4DB2-BD59-A6C34878D82A}">
+                    <a16:rowId xmlns:a16="http://schemas.microsoft.com/office/drawing/2014/main" val="1278911543"/>
+                  </a:ext>
+                </a:extLst>
+              </a:tr>
+              <a:tr h="4155517">
+                <a:tc>
+                  <a:txBody>
+                    <a:bodyPr/>
+                    <a:lstStyle/>
+                    <a:p>
+                      <a:pPr algn="ctr"/>
+                      <a:endParaRPr lang="de-DE" sz="2800" dirty="0"/>
+                    </a:p>
+                  </a:txBody>
+                  <a:tcPr/>
+                </a:tc>
+                <a:tc>
+                  <a:txBody>
+                    <a:bodyPr/>
+                    <a:lstStyle/>
+                    <a:p>
+                      <a:pPr algn="ctr"/>
+                      <a:endParaRPr lang="de-DE" dirty="0"/>
+                    </a:p>
+                  </a:txBody>
+                  <a:tcPr/>
+                </a:tc>
+                <a:tc>
+                  <a:txBody>
+                    <a:bodyPr/>
+                    <a:lstStyle/>
+                    <a:p>
+                      <a:pPr algn="ctr"/>
+                      <a:endParaRPr lang="de-DE" dirty="0"/>
+                    </a:p>
+                  </a:txBody>
+                  <a:tcPr/>
+                </a:tc>
+                <a:extLst>
+                  <a:ext uri="{0D108BD9-81ED-4DB2-BD59-A6C34878D82A}">
+                    <a16:rowId xmlns:a16="http://schemas.microsoft.com/office/drawing/2014/main" val="4198354200"/>
+                  </a:ext>
+                </a:extLst>
+              </a:tr>
+            </a:tbl>
+          </a:graphicData>
+        </a:graphic>
+      </p:graphicFrame>
+      <p:sp>
+        <p:nvSpPr>
+          <p:cNvPr id="13" name="Textfeld 12">
+            <a:extLst>
+              <a:ext uri="{FF2B5EF4-FFF2-40B4-BE49-F238E27FC236}">
+                <a16:creationId xmlns:a16="http://schemas.microsoft.com/office/drawing/2014/main" id="{1DC30DDC-9BBC-45F8-A7BD-0AB20420B4A2}"/>
+              </a:ext>
+            </a:extLst>
+          </p:cNvPr>
+          <p:cNvSpPr txBox="1"/>
+          <p:nvPr/>
+        </p:nvSpPr>
+        <p:spPr>
+          <a:xfrm>
+            <a:off x="8270485" y="2260430"/>
+            <a:ext cx="3559532" cy="3416320"/>
+          </a:xfrm>
+          <a:prstGeom prst="rect">
+            <a:avLst/>
+          </a:prstGeom>
+          <a:noFill/>
+        </p:spPr>
+        <p:txBody>
+          <a:bodyPr wrap="square" rtlCol="0">
+            <a:spAutoFit/>
+          </a:bodyPr>
+          <a:lstStyle/>
+          <a:p>
+            <a:r>
+              <a:rPr lang="de-DE" sz="5400" dirty="0"/>
+              <a:t>trommelt mit Händen auf dem Tisch</a:t>
+            </a:r>
+          </a:p>
+        </p:txBody>
+      </p:sp>
+      <p:sp>
+        <p:nvSpPr>
+          <p:cNvPr id="7" name="Textfeld 6">
+            <a:extLst>
+              <a:ext uri="{FF2B5EF4-FFF2-40B4-BE49-F238E27FC236}">
+                <a16:creationId xmlns:a16="http://schemas.microsoft.com/office/drawing/2014/main" id="{7F02EB6C-9884-4113-A7A0-3A8DD76BE44D}"/>
+              </a:ext>
+            </a:extLst>
+          </p:cNvPr>
+          <p:cNvSpPr txBox="1"/>
+          <p:nvPr/>
+        </p:nvSpPr>
+        <p:spPr>
+          <a:xfrm>
+            <a:off x="522274" y="2260430"/>
+            <a:ext cx="3559532" cy="3416320"/>
+          </a:xfrm>
+          <a:prstGeom prst="rect">
+            <a:avLst/>
+          </a:prstGeom>
+          <a:noFill/>
+        </p:spPr>
+        <p:txBody>
+          <a:bodyPr wrap="square" rtlCol="0">
+            <a:spAutoFit/>
+          </a:bodyPr>
+          <a:lstStyle/>
+          <a:p>
+            <a:r>
+              <a:rPr lang="de-DE" sz="5400" dirty="0"/>
+              <a:t>holt Handy heraus und schaut drauf</a:t>
+            </a:r>
+          </a:p>
+        </p:txBody>
+      </p:sp>
+      <p:sp>
+        <p:nvSpPr>
+          <p:cNvPr id="8" name="Textfeld 7">
+            <a:extLst>
+              <a:ext uri="{FF2B5EF4-FFF2-40B4-BE49-F238E27FC236}">
+                <a16:creationId xmlns:a16="http://schemas.microsoft.com/office/drawing/2014/main" id="{B204C9F2-1ACC-45D3-BDD4-AE831F417A49}"/>
+              </a:ext>
+            </a:extLst>
+          </p:cNvPr>
+          <p:cNvSpPr txBox="1"/>
+          <p:nvPr/>
+        </p:nvSpPr>
+        <p:spPr>
+          <a:xfrm>
+            <a:off x="4358983" y="2260430"/>
+            <a:ext cx="3792574" cy="3416320"/>
+          </a:xfrm>
+          <a:prstGeom prst="rect">
+            <a:avLst/>
+          </a:prstGeom>
+          <a:noFill/>
+        </p:spPr>
+        <p:txBody>
+          <a:bodyPr wrap="square" rtlCol="0">
+            <a:spAutoFit/>
+          </a:bodyPr>
+          <a:lstStyle/>
+          <a:p>
+            <a:r>
+              <a:rPr lang="de-DE" sz="5400" dirty="0"/>
+              <a:t>meldet sich schnipsend und stellt Frage</a:t>
+            </a:r>
+          </a:p>
+        </p:txBody>
+      </p:sp>
+      <p:sp>
+        <p:nvSpPr>
+          <p:cNvPr id="11" name="Textfeld 10">
+            <a:extLst>
+              <a:ext uri="{FF2B5EF4-FFF2-40B4-BE49-F238E27FC236}">
+                <a16:creationId xmlns:a16="http://schemas.microsoft.com/office/drawing/2014/main" id="{49D278D2-9410-4D56-98EE-B2E9AE732C0C}"/>
+              </a:ext>
+            </a:extLst>
+          </p:cNvPr>
+          <p:cNvSpPr txBox="1"/>
+          <p:nvPr/>
+        </p:nvSpPr>
+        <p:spPr>
+          <a:xfrm>
+            <a:off x="9326881" y="6485393"/>
+            <a:ext cx="2865120" cy="646331"/>
+          </a:xfrm>
+          <a:prstGeom prst="rect">
+            <a:avLst/>
+          </a:prstGeom>
+          <a:noFill/>
+        </p:spPr>
+        <p:txBody>
+          <a:bodyPr wrap="square" rtlCol="0">
+            <a:spAutoFit/>
+          </a:bodyPr>
+          <a:lstStyle/>
+          <a:p>
+            <a:r>
+              <a:rPr lang="de-DE" dirty="0"/>
+              <a:t>Minute 00:07 – 00:10 Folie II	</a:t>
+            </a:r>
+          </a:p>
+        </p:txBody>
+      </p:sp>
+    </p:spTree>
+    <p:extLst>
+      <p:ext uri="{BB962C8B-B14F-4D97-AF65-F5344CB8AC3E}">
+        <p14:creationId xmlns:p14="http://schemas.microsoft.com/office/powerpoint/2010/main" val="1054434840"/>
+      </p:ext>
+    </p:extLst>
+  </p:cSld>
+  <p:clrMapOvr>
+    <a:masterClrMapping/>
+  </p:clrMapOvr>
+  <p:timing>
+    <p:tnLst>
+      <p:par>
+        <p:cTn id="1" dur="indefinite" restart="never" nodeType="tmRoot">
+          <p:childTnLst>
+            <p:seq concurrent="1" nextAc="seek">
+              <p:cTn id="2" dur="indefinite" nodeType="mainSeq">
+                <p:childTnLst>
+                  <p:par>
+                    <p:cTn id="3" fill="hold">
+                      <p:stCondLst>
+                        <p:cond delay="indefinite"/>
+                      </p:stCondLst>
+                      <p:childTnLst>
+                        <p:par>
+                          <p:cTn id="4" fill="hold">
+                            <p:stCondLst>
+                              <p:cond delay="0"/>
+                            </p:stCondLst>
+                            <p:childTnLst>
+                              <p:par>
+                                <p:cTn id="5" presetID="1" presetClass="entr" presetSubtype="0" fill="hold" grpId="0" nodeType="clickEffect">
+                                  <p:stCondLst>
+                                    <p:cond delay="0"/>
+                                  </p:stCondLst>
+                                  <p:childTnLst>
+                                    <p:set>
+                                      <p:cBhvr>
+                                        <p:cTn id="6" dur="1" fill="hold">
+                                          <p:stCondLst>
+                                            <p:cond delay="0"/>
+                                          </p:stCondLst>
+                                        </p:cTn>
+                                        <p:tgtEl>
+                                          <p:spTgt spid="7"/>
+                                        </p:tgtEl>
+                                        <p:attrNameLst>
+                                          <p:attrName>style.visibility</p:attrName>
+                                        </p:attrNameLst>
+                                      </p:cBhvr>
+                                      <p:to>
+                                        <p:strVal val="visible"/>
+                                      </p:to>
+                                    </p:set>
+                                  </p:childTnLst>
+                                </p:cTn>
+                              </p:par>
+                            </p:childTnLst>
+                          </p:cTn>
+                        </p:par>
+                      </p:childTnLst>
+                    </p:cTn>
+                  </p:par>
+                  <p:par>
+                    <p:cTn id="7" fill="hold">
+                      <p:stCondLst>
+                        <p:cond delay="indefinite"/>
+                      </p:stCondLst>
+                      <p:childTnLst>
+                        <p:par>
+                          <p:cTn id="8" fill="hold">
+                            <p:stCondLst>
+                              <p:cond delay="0"/>
+                            </p:stCondLst>
+                            <p:childTnLst>
+                              <p:par>
+                                <p:cTn id="9" presetID="1" presetClass="entr" presetSubtype="0" fill="hold" grpId="0" nodeType="clickEffect">
+                                  <p:stCondLst>
+                                    <p:cond delay="0"/>
+                                  </p:stCondLst>
+                                  <p:childTnLst>
+                                    <p:set>
+                                      <p:cBhvr>
+                                        <p:cTn id="10" dur="1" fill="hold">
+                                          <p:stCondLst>
+                                            <p:cond delay="0"/>
+                                          </p:stCondLst>
+                                        </p:cTn>
+                                        <p:tgtEl>
+                                          <p:spTgt spid="8"/>
+                                        </p:tgtEl>
+                                        <p:attrNameLst>
+                                          <p:attrName>style.visibility</p:attrName>
+                                        </p:attrNameLst>
+                                      </p:cBhvr>
+                                      <p:to>
+                                        <p:strVal val="visible"/>
+                                      </p:to>
+                                    </p:set>
+                                  </p:childTnLst>
+                                </p:cTn>
+                              </p:par>
+                            </p:childTnLst>
+                          </p:cTn>
+                        </p:par>
+                      </p:childTnLst>
+                    </p:cTn>
+                  </p:par>
+                  <p:par>
+                    <p:cTn id="11" fill="hold">
+                      <p:stCondLst>
+                        <p:cond delay="indefinite"/>
+                      </p:stCondLst>
+                      <p:childTnLst>
+                        <p:par>
+                          <p:cTn id="12" fill="hold">
+                            <p:stCondLst>
+                              <p:cond delay="0"/>
+                            </p:stCondLst>
+                            <p:childTnLst>
+                              <p:par>
+                                <p:cTn id="13" presetID="1" presetClass="entr" presetSubtype="0" fill="hold" grpId="0" nodeType="clickEffect">
+                                  <p:stCondLst>
+                                    <p:cond delay="0"/>
+                                  </p:stCondLst>
+                                  <p:childTnLst>
+                                    <p:set>
+                                      <p:cBhvr>
+                                        <p:cTn id="14" dur="1" fill="hold">
+                                          <p:stCondLst>
+                                            <p:cond delay="0"/>
+                                          </p:stCondLst>
+                                        </p:cTn>
+                                        <p:tgtEl>
+                                          <p:spTgt spid="13"/>
+                                        </p:tgtEl>
+                                        <p:attrNameLst>
+                                          <p:attrName>style.visibility</p:attrName>
+                                        </p:attrNameLst>
+                                      </p:cBhvr>
+                                      <p:to>
+                                        <p:strVal val="visible"/>
+                                      </p:to>
+                                    </p:set>
+                                  </p:childTnLst>
+                                </p:cTn>
+                              </p:par>
+                            </p:childTnLst>
+                          </p:cTn>
+                        </p:par>
+                      </p:childTnLst>
+                    </p:cTn>
+                  </p:par>
+                </p:childTnLst>
+              </p:cTn>
+              <p:prevCondLst>
+                <p:cond evt="onPrev" delay="0">
+                  <p:tgtEl>
+                    <p:sldTgt/>
+                  </p:tgtEl>
+                </p:cond>
+              </p:prevCondLst>
+              <p:nextCondLst>
+                <p:cond evt="onNext" delay="0">
+                  <p:tgtEl>
+                    <p:sldTgt/>
+                  </p:tgtEl>
+                </p:cond>
+              </p:nextCondLst>
+            </p:seq>
+          </p:childTnLst>
+        </p:cTn>
+      </p:par>
+    </p:tnLst>
+    <p:bldLst>
+      <p:bldP spid="13" grpId="0"/>
+      <p:bldP spid="7" grpId="0"/>
+      <p:bldP spid="8" grpId="0"/>
+    </p:bldLst>
+  </p:timing>
+</p:sld>
+</file>
+
+<file path=ppt/slides/slide7.xml><?xml version="1.0" encoding="utf-8"?>
+<p:sld xmlns:a="http://schemas.openxmlformats.org/drawingml/2006/main" xmlns:r="http://schemas.openxmlformats.org/officeDocument/2006/relationships" xmlns:p="http://schemas.openxmlformats.org/presentationml/2006/main">
+  <p:cSld>
+    <p:spTree>
+      <p:nvGrpSpPr>
+        <p:cNvPr id="1" name=""/>
+        <p:cNvGrpSpPr/>
+        <p:nvPr/>
+      </p:nvGrpSpPr>
+      <p:grpSpPr>
+        <a:xfrm>
+          <a:off x="0" y="0"/>
+          <a:ext cx="0" cy="0"/>
+          <a:chOff x="0" y="0"/>
+          <a:chExt cx="0" cy="0"/>
+        </a:xfrm>
+      </p:grpSpPr>
+      <p:graphicFrame>
+        <p:nvGraphicFramePr>
+          <p:cNvPr id="9" name="Tabelle 8">
+            <a:extLst>
+              <a:ext uri="{FF2B5EF4-FFF2-40B4-BE49-F238E27FC236}">
+                <a16:creationId xmlns:a16="http://schemas.microsoft.com/office/drawing/2014/main" id="{03D14FB9-213B-4A94-A9C5-D32CDA965B60}"/>
+              </a:ext>
+            </a:extLst>
+          </p:cNvPr>
+          <p:cNvGraphicFramePr>
+            <a:graphicFrameLocks noGrp="1"/>
+          </p:cNvGraphicFramePr>
+          <p:nvPr>
+            <p:extLst>
+              <p:ext uri="{D42A27DB-BD31-4B8C-83A1-F6EECF244321}">
+                <p14:modId xmlns:p14="http://schemas.microsoft.com/office/powerpoint/2010/main" val="3573455327"/>
+              </p:ext>
+            </p:extLst>
+          </p:nvPr>
+        </p:nvGraphicFramePr>
+        <p:xfrm>
+          <a:off x="245097" y="187941"/>
+          <a:ext cx="11703849" cy="5695830"/>
+        </p:xfrm>
+        <a:graphic>
+          <a:graphicData uri="http://schemas.openxmlformats.org/drawingml/2006/table">
+            <a:tbl>
+              <a:tblPr firstRow="1" bandRow="1">
+                <a:tableStyleId>{5C22544A-7EE6-4342-B048-85BDC9FD1C3A}</a:tableStyleId>
+              </a:tblPr>
+              <a:tblGrid>
+                <a:gridCol w="3901283">
+                  <a:extLst>
+                    <a:ext uri="{9D8B030D-6E8A-4147-A177-3AD203B41FA5}">
+                      <a16:colId xmlns:a16="http://schemas.microsoft.com/office/drawing/2014/main" val="2418642178"/>
+                    </a:ext>
+                  </a:extLst>
+                </a:gridCol>
+                <a:gridCol w="3901283">
+                  <a:extLst>
+                    <a:ext uri="{9D8B030D-6E8A-4147-A177-3AD203B41FA5}">
+                      <a16:colId xmlns:a16="http://schemas.microsoft.com/office/drawing/2014/main" val="576198228"/>
+                    </a:ext>
+                  </a:extLst>
+                </a:gridCol>
+                <a:gridCol w="3901283">
+                  <a:extLst>
+                    <a:ext uri="{9D8B030D-6E8A-4147-A177-3AD203B41FA5}">
+                      <a16:colId xmlns:a16="http://schemas.microsoft.com/office/drawing/2014/main" val="924655872"/>
+                    </a:ext>
+                  </a:extLst>
+                </a:gridCol>
+              </a:tblGrid>
+              <a:tr h="1540313">
+                <a:tc>
+                  <a:txBody>
+                    <a:bodyPr/>
+                    <a:lstStyle/>
+                    <a:p>
+                      <a:pPr algn="ctr"/>
+                      <a:r>
+                        <a:rPr lang="de-DE" sz="4800" dirty="0"/>
+                        <a:t>Person A</a:t>
+                      </a:r>
+                    </a:p>
+                  </a:txBody>
+                  <a:tcPr/>
+                </a:tc>
+                <a:tc>
+                  <a:txBody>
+                    <a:bodyPr/>
+                    <a:lstStyle/>
+                    <a:p>
+                      <a:pPr algn="ctr"/>
+                      <a:r>
+                        <a:rPr lang="de-DE" sz="4800" dirty="0"/>
+                        <a:t>Person B</a:t>
+                      </a:r>
+                    </a:p>
+                  </a:txBody>
+                  <a:tcPr/>
+                </a:tc>
+                <a:tc>
+                  <a:txBody>
+                    <a:bodyPr/>
+                    <a:lstStyle/>
+                    <a:p>
+                      <a:pPr algn="ctr"/>
+                      <a:r>
+                        <a:rPr lang="de-DE" sz="4800" dirty="0"/>
+                        <a:t>Person D</a:t>
+                      </a:r>
+                    </a:p>
+                  </a:txBody>
+                  <a:tcPr/>
+                </a:tc>
+                <a:extLst>
+                  <a:ext uri="{0D108BD9-81ED-4DB2-BD59-A6C34878D82A}">
+                    <a16:rowId xmlns:a16="http://schemas.microsoft.com/office/drawing/2014/main" val="1278911543"/>
+                  </a:ext>
+                </a:extLst>
+              </a:tr>
+              <a:tr h="4155517">
+                <a:tc>
+                  <a:txBody>
+                    <a:bodyPr/>
+                    <a:lstStyle/>
+                    <a:p>
+                      <a:pPr algn="ctr"/>
+                      <a:endParaRPr lang="de-DE" sz="2800" dirty="0"/>
+                    </a:p>
+                  </a:txBody>
+                  <a:tcPr/>
+                </a:tc>
+                <a:tc>
+                  <a:txBody>
+                    <a:bodyPr/>
+                    <a:lstStyle/>
+                    <a:p>
+                      <a:pPr algn="ctr"/>
+                      <a:endParaRPr lang="de-DE" dirty="0"/>
+                    </a:p>
+                  </a:txBody>
+                  <a:tcPr/>
+                </a:tc>
+                <a:tc>
+                  <a:txBody>
+                    <a:bodyPr/>
+                    <a:lstStyle/>
+                    <a:p>
+                      <a:pPr algn="ctr"/>
+                      <a:endParaRPr lang="de-DE" dirty="0"/>
+                    </a:p>
+                  </a:txBody>
+                  <a:tcPr/>
+                </a:tc>
+                <a:extLst>
+                  <a:ext uri="{0D108BD9-81ED-4DB2-BD59-A6C34878D82A}">
+                    <a16:rowId xmlns:a16="http://schemas.microsoft.com/office/drawing/2014/main" val="4198354200"/>
+                  </a:ext>
+                </a:extLst>
+              </a:tr>
+            </a:tbl>
+          </a:graphicData>
+        </a:graphic>
+      </p:graphicFrame>
+      <p:sp>
+        <p:nvSpPr>
+          <p:cNvPr id="13" name="Textfeld 12">
+            <a:extLst>
+              <a:ext uri="{FF2B5EF4-FFF2-40B4-BE49-F238E27FC236}">
+                <a16:creationId xmlns:a16="http://schemas.microsoft.com/office/drawing/2014/main" id="{1DC30DDC-9BBC-45F8-A7BD-0AB20420B4A2}"/>
+              </a:ext>
+            </a:extLst>
+          </p:cNvPr>
+          <p:cNvSpPr txBox="1"/>
+          <p:nvPr/>
+        </p:nvSpPr>
+        <p:spPr>
+          <a:xfrm>
+            <a:off x="8240198" y="2254421"/>
+            <a:ext cx="3603111" cy="2585323"/>
+          </a:xfrm>
+          <a:prstGeom prst="rect">
+            <a:avLst/>
+          </a:prstGeom>
+          <a:noFill/>
+        </p:spPr>
+        <p:txBody>
+          <a:bodyPr wrap="square" rtlCol="0">
+            <a:spAutoFit/>
+          </a:bodyPr>
+          <a:lstStyle/>
+          <a:p>
+            <a:r>
+              <a:rPr lang="de-DE" sz="5400" dirty="0"/>
+              <a:t>schwatzt mit Nachbar*in</a:t>
+            </a:r>
+          </a:p>
+        </p:txBody>
+      </p:sp>
+      <p:sp>
+        <p:nvSpPr>
+          <p:cNvPr id="7" name="Textfeld 6">
+            <a:extLst>
+              <a:ext uri="{FF2B5EF4-FFF2-40B4-BE49-F238E27FC236}">
+                <a16:creationId xmlns:a16="http://schemas.microsoft.com/office/drawing/2014/main" id="{7F02EB6C-9884-4113-A7A0-3A8DD76BE44D}"/>
+              </a:ext>
+            </a:extLst>
+          </p:cNvPr>
+          <p:cNvSpPr txBox="1"/>
+          <p:nvPr/>
+        </p:nvSpPr>
+        <p:spPr>
+          <a:xfrm>
+            <a:off x="500328" y="1784942"/>
+            <a:ext cx="3240993" cy="4247317"/>
+          </a:xfrm>
+          <a:prstGeom prst="rect">
+            <a:avLst/>
+          </a:prstGeom>
+          <a:noFill/>
+        </p:spPr>
+        <p:txBody>
+          <a:bodyPr wrap="square" rtlCol="0">
+            <a:spAutoFit/>
+          </a:bodyPr>
+          <a:lstStyle/>
+          <a:p>
+            <a:r>
+              <a:rPr lang="de-DE" sz="5400" dirty="0"/>
+              <a:t>dreht sich um und starrt aus dem Fenster</a:t>
+            </a:r>
+          </a:p>
+        </p:txBody>
+      </p:sp>
+      <p:sp>
+        <p:nvSpPr>
+          <p:cNvPr id="8" name="Textfeld 7">
+            <a:extLst>
+              <a:ext uri="{FF2B5EF4-FFF2-40B4-BE49-F238E27FC236}">
+                <a16:creationId xmlns:a16="http://schemas.microsoft.com/office/drawing/2014/main" id="{B204C9F2-1ACC-45D3-BDD4-AE831F417A49}"/>
+              </a:ext>
+            </a:extLst>
+          </p:cNvPr>
+          <p:cNvSpPr txBox="1"/>
+          <p:nvPr/>
+        </p:nvSpPr>
+        <p:spPr>
+          <a:xfrm>
+            <a:off x="4358983" y="2258427"/>
+            <a:ext cx="3540679" cy="2585323"/>
+          </a:xfrm>
+          <a:prstGeom prst="rect">
+            <a:avLst/>
+          </a:prstGeom>
+          <a:noFill/>
+        </p:spPr>
+        <p:txBody>
+          <a:bodyPr wrap="square" rtlCol="0">
+            <a:spAutoFit/>
+          </a:bodyPr>
+          <a:lstStyle/>
+          <a:p>
+            <a:r>
+              <a:rPr lang="de-DE" sz="5400" dirty="0"/>
+              <a:t>legt Kopf auf Bank und schläft</a:t>
+            </a:r>
+          </a:p>
+        </p:txBody>
+      </p:sp>
+      <p:sp>
+        <p:nvSpPr>
+          <p:cNvPr id="11" name="Textfeld 10">
+            <a:extLst>
+              <a:ext uri="{FF2B5EF4-FFF2-40B4-BE49-F238E27FC236}">
+                <a16:creationId xmlns:a16="http://schemas.microsoft.com/office/drawing/2014/main" id="{4BA94018-6FF6-44A2-80F8-59B938C73F0E}"/>
+              </a:ext>
+            </a:extLst>
+          </p:cNvPr>
+          <p:cNvSpPr txBox="1"/>
+          <p:nvPr/>
+        </p:nvSpPr>
+        <p:spPr>
+          <a:xfrm>
+            <a:off x="9231320" y="6485393"/>
+            <a:ext cx="2960680" cy="369332"/>
+          </a:xfrm>
+          <a:prstGeom prst="rect">
+            <a:avLst/>
+          </a:prstGeom>
+          <a:noFill/>
+        </p:spPr>
+        <p:txBody>
+          <a:bodyPr wrap="square" rtlCol="0">
+            <a:spAutoFit/>
+          </a:bodyPr>
+          <a:lstStyle/>
+          <a:p>
+            <a:r>
+              <a:rPr lang="de-DE" dirty="0"/>
+              <a:t>Minute 00:07 – 00:10 Folie III	</a:t>
+            </a:r>
+          </a:p>
+        </p:txBody>
+      </p:sp>
+    </p:spTree>
+    <p:extLst>
+      <p:ext uri="{BB962C8B-B14F-4D97-AF65-F5344CB8AC3E}">
+        <p14:creationId xmlns:p14="http://schemas.microsoft.com/office/powerpoint/2010/main" val="3322342255"/>
+      </p:ext>
+    </p:extLst>
+  </p:cSld>
+  <p:clrMapOvr>
+    <a:masterClrMapping/>
+  </p:clrMapOvr>
+  <p:timing>
+    <p:tnLst>
+      <p:par>
+        <p:cTn id="1" dur="indefinite" restart="never" nodeType="tmRoot">
+          <p:childTnLst>
+            <p:seq concurrent="1" nextAc="seek">
+              <p:cTn id="2" dur="indefinite" nodeType="mainSeq">
+                <p:childTnLst>
+                  <p:par>
+                    <p:cTn id="3" fill="hold">
+                      <p:stCondLst>
+                        <p:cond delay="indefinite"/>
+                      </p:stCondLst>
+                      <p:childTnLst>
+                        <p:par>
+                          <p:cTn id="4" fill="hold">
+                            <p:stCondLst>
+                              <p:cond delay="0"/>
+                            </p:stCondLst>
+                            <p:childTnLst>
+                              <p:par>
+                                <p:cTn id="5" presetID="1" presetClass="entr" presetSubtype="0" fill="hold" grpId="0" nodeType="clickEffect">
+                                  <p:stCondLst>
+                                    <p:cond delay="0"/>
+                                  </p:stCondLst>
+                                  <p:childTnLst>
+                                    <p:set>
+                                      <p:cBhvr>
+                                        <p:cTn id="6" dur="1" fill="hold">
+                                          <p:stCondLst>
+                                            <p:cond delay="0"/>
+                                          </p:stCondLst>
+                                        </p:cTn>
+                                        <p:tgtEl>
+                                          <p:spTgt spid="7"/>
+                                        </p:tgtEl>
+                                        <p:attrNameLst>
+                                          <p:attrName>style.visibility</p:attrName>
+                                        </p:attrNameLst>
+                                      </p:cBhvr>
+                                      <p:to>
+                                        <p:strVal val="visible"/>
+                                      </p:to>
+                                    </p:set>
+                                  </p:childTnLst>
+                                </p:cTn>
+                              </p:par>
+                            </p:childTnLst>
+                          </p:cTn>
+                        </p:par>
+                      </p:childTnLst>
+                    </p:cTn>
+                  </p:par>
+                  <p:par>
+                    <p:cTn id="7" fill="hold">
+                      <p:stCondLst>
+                        <p:cond delay="indefinite"/>
+                      </p:stCondLst>
+                      <p:childTnLst>
+                        <p:par>
+                          <p:cTn id="8" fill="hold">
+                            <p:stCondLst>
+                              <p:cond delay="0"/>
+                            </p:stCondLst>
+                            <p:childTnLst>
+                              <p:par>
+                                <p:cTn id="9" presetID="1" presetClass="entr" presetSubtype="0" fill="hold" grpId="0" nodeType="clickEffect">
+                                  <p:stCondLst>
+                                    <p:cond delay="0"/>
+                                  </p:stCondLst>
+                                  <p:childTnLst>
+                                    <p:set>
+                                      <p:cBhvr>
+                                        <p:cTn id="10" dur="1" fill="hold">
+                                          <p:stCondLst>
+                                            <p:cond delay="0"/>
+                                          </p:stCondLst>
+                                        </p:cTn>
+                                        <p:tgtEl>
+                                          <p:spTgt spid="8"/>
+                                        </p:tgtEl>
+                                        <p:attrNameLst>
+                                          <p:attrName>style.visibility</p:attrName>
+                                        </p:attrNameLst>
+                                      </p:cBhvr>
+                                      <p:to>
+                                        <p:strVal val="visible"/>
+                                      </p:to>
+                                    </p:set>
+                                  </p:childTnLst>
+                                </p:cTn>
+                              </p:par>
+                            </p:childTnLst>
+                          </p:cTn>
+                        </p:par>
+                      </p:childTnLst>
+                    </p:cTn>
+                  </p:par>
+                  <p:par>
+                    <p:cTn id="11" fill="hold">
+                      <p:stCondLst>
+                        <p:cond delay="indefinite"/>
+                      </p:stCondLst>
+                      <p:childTnLst>
+                        <p:par>
+                          <p:cTn id="12" fill="hold">
+                            <p:stCondLst>
+                              <p:cond delay="0"/>
+                            </p:stCondLst>
+                            <p:childTnLst>
+                              <p:par>
+                                <p:cTn id="13" presetID="1" presetClass="entr" presetSubtype="0" fill="hold" grpId="0" nodeType="clickEffect">
+                                  <p:stCondLst>
+                                    <p:cond delay="0"/>
+                                  </p:stCondLst>
+                                  <p:childTnLst>
+                                    <p:set>
+                                      <p:cBhvr>
+                                        <p:cTn id="14" dur="1" fill="hold">
+                                          <p:stCondLst>
+                                            <p:cond delay="0"/>
+                                          </p:stCondLst>
+                                        </p:cTn>
+                                        <p:tgtEl>
+                                          <p:spTgt spid="13"/>
+                                        </p:tgtEl>
+                                        <p:attrNameLst>
+                                          <p:attrName>style.visibility</p:attrName>
+                                        </p:attrNameLst>
+                                      </p:cBhvr>
+                                      <p:to>
+                                        <p:strVal val="visible"/>
+                                      </p:to>
+                                    </p:set>
+                                  </p:childTnLst>
+                                </p:cTn>
+                              </p:par>
+                            </p:childTnLst>
+                          </p:cTn>
+                        </p:par>
+                      </p:childTnLst>
+                    </p:cTn>
+                  </p:par>
+                </p:childTnLst>
+              </p:cTn>
+              <p:prevCondLst>
+                <p:cond evt="onPrev" delay="0">
+                  <p:tgtEl>
+                    <p:sldTgt/>
+                  </p:tgtEl>
+                </p:cond>
+              </p:prevCondLst>
+              <p:nextCondLst>
+                <p:cond evt="onNext" delay="0">
+                  <p:tgtEl>
+                    <p:sldTgt/>
+                  </p:tgtEl>
+                </p:cond>
+              </p:nextCondLst>
+            </p:seq>
+          </p:childTnLst>
+        </p:cTn>
+      </p:par>
+    </p:tnLst>
+    <p:bldLst>
+      <p:bldP spid="13" grpId="0"/>
       <p:bldP spid="7" grpId="0"/>
       <p:bldP spid="8" grpId="0"/>
     </p:bldLst>
@@ -5953,7 +5807,7 @@
         </p:nvSpPr>
         <p:spPr>
           <a:xfrm>
-            <a:off x="1915128" y="1788454"/>
+            <a:off x="1160984" y="2127819"/>
             <a:ext cx="8830901" cy="3173160"/>
           </a:xfrm>
         </p:spPr>
